--- a/meeting 17-11.pptx
+++ b/meeting 17-11.pptx
@@ -11,32 +11,21 @@
     <p:sldId id="343" r:id="rId3"/>
     <p:sldId id="526" r:id="rId5"/>
     <p:sldId id="588" r:id="rId6"/>
-    <p:sldId id="590" r:id="rId7"/>
-    <p:sldId id="519" r:id="rId8"/>
-    <p:sldId id="522" r:id="rId9"/>
-    <p:sldId id="524" r:id="rId10"/>
-    <p:sldId id="562" r:id="rId11"/>
-    <p:sldId id="541" r:id="rId12"/>
-    <p:sldId id="540" r:id="rId13"/>
-    <p:sldId id="565" r:id="rId14"/>
-    <p:sldId id="539" r:id="rId15"/>
-    <p:sldId id="543" r:id="rId16"/>
-    <p:sldId id="580" r:id="rId17"/>
-    <p:sldId id="544" r:id="rId18"/>
-    <p:sldId id="545" r:id="rId19"/>
-    <p:sldId id="591" r:id="rId20"/>
-    <p:sldId id="592" r:id="rId21"/>
-    <p:sldId id="593" r:id="rId22"/>
-    <p:sldId id="549" r:id="rId23"/>
-    <p:sldId id="566" r:id="rId24"/>
-    <p:sldId id="567" r:id="rId25"/>
-    <p:sldId id="571" r:id="rId26"/>
-    <p:sldId id="572" r:id="rId27"/>
-    <p:sldId id="573" r:id="rId28"/>
-    <p:sldId id="574" r:id="rId29"/>
-    <p:sldId id="556" r:id="rId30"/>
-    <p:sldId id="577" r:id="rId31"/>
-    <p:sldId id="578" r:id="rId32"/>
+    <p:sldId id="595" r:id="rId7"/>
+    <p:sldId id="590" r:id="rId8"/>
+    <p:sldId id="519" r:id="rId9"/>
+    <p:sldId id="522" r:id="rId10"/>
+    <p:sldId id="524" r:id="rId11"/>
+    <p:sldId id="562" r:id="rId12"/>
+    <p:sldId id="591" r:id="rId13"/>
+    <p:sldId id="592" r:id="rId14"/>
+    <p:sldId id="593" r:id="rId15"/>
+    <p:sldId id="566" r:id="rId16"/>
+    <p:sldId id="567" r:id="rId17"/>
+    <p:sldId id="571" r:id="rId18"/>
+    <p:sldId id="572" r:id="rId19"/>
+    <p:sldId id="573" r:id="rId20"/>
+    <p:sldId id="574" r:id="rId21"/>
   </p:sldIdLst>
   <p:sldSz cx="12192000" cy="6858000"/>
   <p:notesSz cx="6858000" cy="9144000"/>
@@ -3822,17 +3811,10 @@
         <p:cNvGrpSpPr/>
         <p:nvPr/>
       </p:nvGrpSpPr>
-      <p:grpSpPr>
-        <a:xfrm>
-          <a:off x="0" y="0"/>
-          <a:ext cx="0" cy="0"/>
-          <a:chOff x="0" y="0"/>
-          <a:chExt cx="0" cy="0"/>
-        </a:xfrm>
-      </p:grpSpPr>
-      <p:sp>
-        <p:nvSpPr>
-          <p:cNvPr id="2" name="Título 1"/>
+      <p:grpSpPr/>
+      <p:sp>
+        <p:nvSpPr>
+          <p:cNvPr id="2" name="Title 1"/>
           <p:cNvSpPr>
             <a:spLocks noGrp="1"/>
           </p:cNvSpPr>
@@ -3840,42 +3822,62 @@
             <p:ph type="title"/>
           </p:nvPr>
         </p:nvSpPr>
-        <p:spPr>
-          <a:xfrm>
-            <a:off x="609600" y="190500"/>
-            <a:ext cx="10972800" cy="762000"/>
-          </a:xfrm>
-        </p:spPr>
-        <p:txBody>
-          <a:bodyPr lIns="91440" tIns="45720" rIns="91440" bIns="45720" anchor="ctr" anchorCtr="0"/>
-          <a:lstStyle/>
-          <a:p>
-            <a:r>
-              <a:rPr lang="en-US" altLang="en-GB" b="1" dirty="0">
+        <p:spPr/>
+        <p:txBody>
+          <a:bodyPr/>
+          <a:p>
+            <a:r>
+              <a:rPr lang="en-US" altLang="en-GB" b="1">
                 <a:solidFill>
                   <a:srgbClr val="FF0000"/>
                 </a:solidFill>
-                <a:cs typeface="Arial" panose="020B0604020202020204"/>
+                <a:sym typeface="+mn-ea"/>
               </a:rPr>
-              <a:t>Airy scan_40A_UAS-TMEM-HA_CB_0h_2_051222</a:t>
-            </a:r>
-            <a:br>
-              <a:rPr lang="en-US" altLang="en-GB" b="1" dirty="0">
-                <a:solidFill>
-                  <a:srgbClr val="FF0000"/>
-                </a:solidFill>
-                <a:cs typeface="Arial" panose="020B0604020202020204"/>
-              </a:rPr>
-            </a:br>
-            <a:endParaRPr lang="en-US" altLang="en-GB" b="1" dirty="0">
+              <a:t>TMEM-HA 6h CB airy_3_170722</a:t>
+            </a:r>
+            <a:endParaRPr lang="en-US" altLang="en-GB" b="1">
               <a:solidFill>
                 <a:srgbClr val="FF0000"/>
               </a:solidFill>
-              <a:cs typeface="Arial" panose="020B0604020202020204"/>
+              <a:sym typeface="+mn-ea"/>
             </a:endParaRPr>
           </a:p>
         </p:txBody>
       </p:sp>
+      <p:pic>
+        <p:nvPicPr>
+          <p:cNvPr id="3" name="ch2_raw_and_fused_all_viz-ezgif.com-gif-to-mp4-converter">
+            <a:hlinkClick r:id="" action="ppaction://media"/>
+          </p:cNvPr>
+          <p:cNvPicPr/>
+          <p:nvPr>
+            <a:videoFile r:link="rId1"/>
+            <p:extLst>
+              <p:ext uri="{DAA4B4D4-6D71-4841-9C94-3DE7FCFB9230}">
+                <p14:media xmlns:p14="http://schemas.microsoft.com/office/powerpoint/2010/main" r:embed="rId2"/>
+              </p:ext>
+            </p:extLst>
+            <p:custDataLst>
+              <p:tags r:id="rId3"/>
+            </p:custDataLst>
+          </p:nvPr>
+        </p:nvPicPr>
+        <p:blipFill>
+          <a:blip r:embed="rId4"/>
+          <a:stretch>
+            <a:fillRect/>
+          </a:stretch>
+        </p:blipFill>
+        <p:spPr>
+          <a:xfrm>
+            <a:off x="472440" y="841375"/>
+            <a:ext cx="11247120" cy="5701030"/>
+          </a:xfrm>
+          <a:prstGeom prst="rect">
+            <a:avLst/>
+          </a:prstGeom>
+        </p:spPr>
+      </p:pic>
     </p:spTree>
   </p:cSld>
   <p:clrMapOvr>
@@ -3884,7 +3886,80 @@
   <p:timing>
     <p:tnLst>
       <p:par>
-        <p:cTn id="1" dur="indefinite" restart="never" nodeType="tmRoot"/>
+        <p:cTn id="1" dur="indefinite" restart="never" nodeType="tmRoot">
+          <p:childTnLst>
+            <p:video fullScrn="0">
+              <p:cMediaNode>
+                <p:cTn id="2" fill="hold" display="1">
+                  <p:stCondLst>
+                    <p:cond delay="indefinite"/>
+                  </p:stCondLst>
+                </p:cTn>
+                <p:tgtEl>
+                  <p:spTgt spid="3"/>
+                </p:tgtEl>
+              </p:cMediaNode>
+            </p:video>
+            <p:seq concurrent="1" nextAc="seek">
+              <p:cTn id="3" restart="whenNotActive" fill="hold" evtFilter="cancelBubble" nodeType="interactiveSeq">
+                <p:stCondLst>
+                  <p:cond evt="onClick" delay="0">
+                    <p:tgtEl>
+                      <p:spTgt spid="3"/>
+                    </p:tgtEl>
+                  </p:cond>
+                </p:stCondLst>
+                <p:endSync evt="end" delay="0">
+                  <p:rtn val="all"/>
+                </p:endSync>
+                <p:childTnLst>
+                  <p:par>
+                    <p:cTn id="4" fill="hold">
+                      <p:stCondLst>
+                        <p:cond delay="0"/>
+                      </p:stCondLst>
+                      <p:childTnLst>
+                        <p:par>
+                          <p:cTn id="5" fill="hold">
+                            <p:stCondLst>
+                              <p:cond delay="0"/>
+                            </p:stCondLst>
+                            <p:childTnLst>
+                              <p:par>
+                                <p:cTn id="6" presetID="2" presetClass="mediacall" presetSubtype="0" fill="hold" nodeType="clickEffect">
+                                  <p:stCondLst>
+                                    <p:cond delay="0"/>
+                                  </p:stCondLst>
+                                  <p:childTnLst>
+                                    <p:cmd type="call" cmd="togglePause">
+                                      <p:cBhvr additive="base">
+                                        <p:cTn id="7" dur="1" fill="hold"/>
+                                        <p:tgtEl>
+                                          <p:spTgt spid="3"/>
+                                        </p:tgtEl>
+                                      </p:cBhvr>
+                                    </p:cmd>
+                                  </p:childTnLst>
+                                </p:cTn>
+                              </p:par>
+                            </p:childTnLst>
+                          </p:cTn>
+                        </p:par>
+                      </p:childTnLst>
+                    </p:cTn>
+                  </p:par>
+                </p:childTnLst>
+              </p:cTn>
+              <p:nextCondLst>
+                <p:cond evt="onClick" delay="0">
+                  <p:tgtEl>
+                    <p:spTgt spid="3"/>
+                  </p:tgtEl>
+                </p:cond>
+              </p:nextCondLst>
+            </p:seq>
+          </p:childTnLst>
+        </p:cTn>
       </p:par>
     </p:tnLst>
   </p:timing>
@@ -3900,17 +3975,10 @@
         <p:cNvGrpSpPr/>
         <p:nvPr/>
       </p:nvGrpSpPr>
-      <p:grpSpPr>
-        <a:xfrm>
-          <a:off x="0" y="0"/>
-          <a:ext cx="0" cy="0"/>
-          <a:chOff x="0" y="0"/>
-          <a:chExt cx="0" cy="0"/>
-        </a:xfrm>
-      </p:grpSpPr>
-      <p:sp>
-        <p:nvSpPr>
-          <p:cNvPr id="2" name="Título 1"/>
+      <p:grpSpPr/>
+      <p:sp>
+        <p:nvSpPr>
+          <p:cNvPr id="4" name="Title 3"/>
           <p:cNvSpPr>
             <a:spLocks noGrp="1"/>
           </p:cNvSpPr>
@@ -3918,54 +3986,57 @@
             <p:ph type="title"/>
           </p:nvPr>
         </p:nvSpPr>
-        <p:spPr>
-          <a:xfrm>
-            <a:off x="609600" y="190500"/>
-            <a:ext cx="10972800" cy="762000"/>
-          </a:xfrm>
-        </p:spPr>
-        <p:txBody>
-          <a:bodyPr lIns="91440" tIns="45720" rIns="91440" bIns="45720" anchor="ctr" anchorCtr="0"/>
-          <a:lstStyle/>
-          <a:p>
-            <a:r>
-              <a:rPr lang="en-US" altLang="en-GB" b="1" dirty="0">
+        <p:spPr/>
+        <p:txBody>
+          <a:bodyPr/>
+          <a:p>
+            <a:r>
+              <a:rPr lang="en-US" altLang="en-GB" b="1">
                 <a:solidFill>
                   <a:srgbClr val="FF0000"/>
                 </a:solidFill>
-                <a:cs typeface="Arial" panose="020B0604020202020204"/>
+                <a:sym typeface="+mn-ea"/>
               </a:rPr>
-              <a:t>Airy scan_40A_UAS-TMEM-HA_CB_0h_2_051222</a:t>
-            </a:r>
-            <a:br>
-              <a:rPr lang="en-US" altLang="en-GB" b="1" dirty="0">
-                <a:solidFill>
-                  <a:srgbClr val="FF0000"/>
-                </a:solidFill>
-                <a:cs typeface="Arial" panose="020B0604020202020204"/>
-              </a:rPr>
-            </a:br>
-            <a:endParaRPr lang="en-US" altLang="en-GB" b="1" dirty="0">
+              <a:t>TMEM-HA 6h CB airy_3_170722</a:t>
+            </a:r>
+            <a:endParaRPr lang="en-US" altLang="en-GB" b="1">
               <a:solidFill>
                 <a:srgbClr val="FF0000"/>
               </a:solidFill>
-              <a:cs typeface="Arial" panose="020B0604020202020204"/>
+              <a:sym typeface="+mn-ea"/>
             </a:endParaRPr>
           </a:p>
         </p:txBody>
       </p:sp>
+      <p:pic>
+        <p:nvPicPr>
+          <p:cNvPr id="2" name="Picture 1" descr="SEG 1"/>
+          <p:cNvPicPr>
+            <a:picLocks noChangeAspect="1"/>
+          </p:cNvPicPr>
+          <p:nvPr/>
+        </p:nvPicPr>
+        <p:blipFill>
+          <a:blip r:embed="rId1"/>
+          <a:stretch>
+            <a:fillRect/>
+          </a:stretch>
+        </p:blipFill>
+        <p:spPr>
+          <a:xfrm>
+            <a:off x="775970" y="879475"/>
+            <a:ext cx="9933940" cy="5766435"/>
+          </a:xfrm>
+          <a:prstGeom prst="rect">
+            <a:avLst/>
+          </a:prstGeom>
+        </p:spPr>
+      </p:pic>
     </p:spTree>
   </p:cSld>
   <p:clrMapOvr>
     <a:masterClrMapping/>
   </p:clrMapOvr>
-  <p:timing>
-    <p:tnLst>
-      <p:par>
-        <p:cTn id="1" dur="indefinite" restart="never" nodeType="tmRoot"/>
-      </p:par>
-    </p:tnLst>
-  </p:timing>
 </p:sld>
 </file>
 
@@ -3978,17 +4049,10 @@
         <p:cNvGrpSpPr/>
         <p:nvPr/>
       </p:nvGrpSpPr>
-      <p:grpSpPr>
-        <a:xfrm>
-          <a:off x="0" y="0"/>
-          <a:ext cx="0" cy="0"/>
-          <a:chOff x="0" y="0"/>
-          <a:chExt cx="0" cy="0"/>
-        </a:xfrm>
-      </p:grpSpPr>
-      <p:sp>
-        <p:nvSpPr>
-          <p:cNvPr id="2" name="Título 1"/>
+      <p:grpSpPr/>
+      <p:sp>
+        <p:nvSpPr>
+          <p:cNvPr id="4" name="Title 3"/>
           <p:cNvSpPr>
             <a:spLocks noGrp="1"/>
           </p:cNvSpPr>
@@ -3996,54 +4060,220 @@
             <p:ph type="title"/>
           </p:nvPr>
         </p:nvSpPr>
-        <p:spPr>
-          <a:xfrm>
-            <a:off x="609600" y="190500"/>
-            <a:ext cx="10972800" cy="762000"/>
-          </a:xfrm>
-        </p:spPr>
-        <p:txBody>
-          <a:bodyPr lIns="91440" tIns="45720" rIns="91440" bIns="45720" anchor="ctr" anchorCtr="0"/>
-          <a:lstStyle/>
-          <a:p>
-            <a:r>
-              <a:rPr lang="en-US" altLang="en-GB" b="1" dirty="0">
+        <p:spPr/>
+        <p:txBody>
+          <a:bodyPr/>
+          <a:p>
+            <a:r>
+              <a:rPr lang="en-US" altLang="en-GB" b="1">
                 <a:solidFill>
                   <a:srgbClr val="FF0000"/>
                 </a:solidFill>
-                <a:cs typeface="Arial" panose="020B0604020202020204"/>
+                <a:sym typeface="+mn-ea"/>
               </a:rPr>
-              <a:t>Airy scan_40A_UAS-TMEM-HA_CB_4h_1_051222</a:t>
-            </a:r>
-            <a:br>
-              <a:rPr lang="en-US" altLang="en-GB" b="1" dirty="0">
-                <a:solidFill>
-                  <a:srgbClr val="FF0000"/>
-                </a:solidFill>
-                <a:cs typeface="Arial" panose="020B0604020202020204"/>
-              </a:rPr>
-            </a:br>
-            <a:endParaRPr lang="en-US" altLang="en-GB" b="1" dirty="0">
+              <a:t>TMEM-HA 6h CB airy_3_170722</a:t>
+            </a:r>
+            <a:endParaRPr lang="en-US" altLang="en-GB" b="1">
               <a:solidFill>
                 <a:srgbClr val="FF0000"/>
               </a:solidFill>
-              <a:cs typeface="Arial" panose="020B0604020202020204"/>
+              <a:sym typeface="+mn-ea"/>
             </a:endParaRPr>
           </a:p>
         </p:txBody>
       </p:sp>
+      <p:pic>
+        <p:nvPicPr>
+          <p:cNvPr id="2" name="Picture 1"/>
+          <p:cNvPicPr>
+            <a:picLocks noChangeAspect="1"/>
+          </p:cNvPicPr>
+          <p:nvPr/>
+        </p:nvPicPr>
+        <p:blipFill>
+          <a:blip r:embed="rId1"/>
+          <a:stretch>
+            <a:fillRect/>
+          </a:stretch>
+        </p:blipFill>
+        <p:spPr>
+          <a:xfrm>
+            <a:off x="609600" y="773430"/>
+            <a:ext cx="4785360" cy="4121785"/>
+          </a:xfrm>
+          <a:prstGeom prst="rect">
+            <a:avLst/>
+          </a:prstGeom>
+        </p:spPr>
+      </p:pic>
+      <p:pic>
+        <p:nvPicPr>
+          <p:cNvPr id="3" name="Picture 2"/>
+          <p:cNvPicPr>
+            <a:picLocks noChangeAspect="1"/>
+          </p:cNvPicPr>
+          <p:nvPr/>
+        </p:nvPicPr>
+        <p:blipFill>
+          <a:blip r:embed="rId2"/>
+          <a:stretch>
+            <a:fillRect/>
+          </a:stretch>
+        </p:blipFill>
+        <p:spPr>
+          <a:xfrm>
+            <a:off x="609600" y="5193030"/>
+            <a:ext cx="4777105" cy="1514475"/>
+          </a:xfrm>
+          <a:prstGeom prst="rect">
+            <a:avLst/>
+          </a:prstGeom>
+        </p:spPr>
+      </p:pic>
+      <p:sp>
+        <p:nvSpPr>
+          <p:cNvPr id="5" name="Rectangles 4"/>
+          <p:cNvSpPr/>
+          <p:nvPr/>
+        </p:nvSpPr>
+        <p:spPr>
+          <a:xfrm>
+            <a:off x="588010" y="4870450"/>
+            <a:ext cx="4832350" cy="260350"/>
+          </a:xfrm>
+          <a:prstGeom prst="rect">
+            <a:avLst/>
+          </a:prstGeom>
+          <a:gradFill rotWithShape="0">
+            <a:gsLst>
+              <a:gs pos="0">
+                <a:schemeClr val="accent1"/>
+              </a:gs>
+              <a:gs pos="100000">
+                <a:schemeClr val="accent2"/>
+              </a:gs>
+            </a:gsLst>
+            <a:lin ang="5400000" scaled="1"/>
+          </a:gradFill>
+          <a:ln w="9525" cap="flat" cmpd="sng" algn="ctr">
+            <a:solidFill>
+              <a:schemeClr val="accent1"/>
+            </a:solidFill>
+            <a:prstDash val="solid"/>
+            <a:round/>
+            <a:headEnd type="none" w="med" len="med"/>
+            <a:tailEnd type="none" w="med" len="med"/>
+          </a:ln>
+        </p:spPr>
+        <p:txBody>
+          <a:bodyPr vert="horz" wrap="none" lIns="91440" tIns="45720" rIns="91440" bIns="45720" numCol="1" anchor="ctr" anchorCtr="0" compatLnSpc="1"/>
+          <a:p>
+            <a:pPr marL="0" marR="0" indent="0" algn="l" defTabSz="914400" rtl="0" eaLnBrk="1" fontAlgn="base" latinLnBrk="0" hangingPunct="1">
+              <a:lnSpc>
+                <a:spcPct val="100000"/>
+              </a:lnSpc>
+              <a:spcBef>
+                <a:spcPct val="0"/>
+              </a:spcBef>
+              <a:spcAft>
+                <a:spcPct val="0"/>
+              </a:spcAft>
+              <a:buClrTx/>
+              <a:buSzTx/>
+              <a:buFontTx/>
+              <a:buNone/>
+            </a:pPr>
+            <a:endParaRPr kumimoji="0" lang="zh-CN" altLang="en-US" sz="1800" b="0" i="0" u="none" strike="noStrike" cap="none" normalizeH="0" baseline="0" smtClean="0">
+              <a:ln>
+                <a:noFill/>
+              </a:ln>
+              <a:solidFill>
+                <a:schemeClr val="tx1"/>
+              </a:solidFill>
+              <a:effectLst/>
+              <a:latin typeface="Arial" panose="020B0604020202020204" pitchFamily="34" charset="0"/>
+              <a:ea typeface="SimSun" panose="02010600030101010101" pitchFamily="2" charset="-122"/>
+            </a:endParaRPr>
+          </a:p>
+        </p:txBody>
+      </p:sp>
+      <p:pic>
+        <p:nvPicPr>
+          <p:cNvPr id="6" name="Picture 5"/>
+          <p:cNvPicPr>
+            <a:picLocks noChangeAspect="1"/>
+          </p:cNvPicPr>
+          <p:nvPr/>
+        </p:nvPicPr>
+        <p:blipFill>
+          <a:blip r:embed="rId3"/>
+          <a:stretch>
+            <a:fillRect/>
+          </a:stretch>
+        </p:blipFill>
+        <p:spPr>
+          <a:xfrm>
+            <a:off x="5861050" y="883920"/>
+            <a:ext cx="1781175" cy="781050"/>
+          </a:xfrm>
+          <a:prstGeom prst="rect">
+            <a:avLst/>
+          </a:prstGeom>
+        </p:spPr>
+      </p:pic>
+      <p:pic>
+        <p:nvPicPr>
+          <p:cNvPr id="7" name="Picture 6"/>
+          <p:cNvPicPr>
+            <a:picLocks noChangeAspect="1"/>
+          </p:cNvPicPr>
+          <p:nvPr/>
+        </p:nvPicPr>
+        <p:blipFill>
+          <a:blip r:embed="rId4"/>
+          <a:stretch>
+            <a:fillRect/>
+          </a:stretch>
+        </p:blipFill>
+        <p:spPr>
+          <a:xfrm>
+            <a:off x="5908675" y="2145665"/>
+            <a:ext cx="1733550" cy="3705225"/>
+          </a:xfrm>
+          <a:prstGeom prst="rect">
+            <a:avLst/>
+          </a:prstGeom>
+        </p:spPr>
+      </p:pic>
+      <p:pic>
+        <p:nvPicPr>
+          <p:cNvPr id="8" name="Picture 7"/>
+          <p:cNvPicPr>
+            <a:picLocks noChangeAspect="1"/>
+          </p:cNvPicPr>
+          <p:nvPr/>
+        </p:nvPicPr>
+        <p:blipFill>
+          <a:blip r:embed="rId5"/>
+          <a:stretch>
+            <a:fillRect/>
+          </a:stretch>
+        </p:blipFill>
+        <p:spPr>
+          <a:xfrm>
+            <a:off x="8317865" y="2145665"/>
+            <a:ext cx="2057400" cy="1038225"/>
+          </a:xfrm>
+          <a:prstGeom prst="rect">
+            <a:avLst/>
+          </a:prstGeom>
+        </p:spPr>
+      </p:pic>
     </p:spTree>
   </p:cSld>
   <p:clrMapOvr>
     <a:masterClrMapping/>
   </p:clrMapOvr>
-  <p:timing>
-    <p:tnLst>
-      <p:par>
-        <p:cTn id="1" dur="indefinite" restart="never" nodeType="tmRoot"/>
-      </p:par>
-    </p:tnLst>
-  </p:timing>
 </p:sld>
 </file>
 
@@ -4076,7 +4306,7 @@
         </p:nvSpPr>
         <p:spPr>
           <a:xfrm>
-            <a:off x="609600" y="190500"/>
+            <a:off x="542925" y="0"/>
             <a:ext cx="10972800" cy="762000"/>
           </a:xfrm>
         </p:spPr>
@@ -4085,22 +4315,14 @@
           <a:lstStyle/>
           <a:p>
             <a:r>
-              <a:rPr lang="en-US" altLang="en-GB" b="1" dirty="0">
+              <a:rPr lang="en-US" altLang="en-GB" sz="2400" b="1" dirty="0">
                 <a:solidFill>
                   <a:srgbClr val="FF0000"/>
                 </a:solidFill>
                 <a:cs typeface="Arial" panose="020B0604020202020204"/>
               </a:rPr>
-              <a:t>Airy scan_40A_UAS-TMEM-HA_CB_4h_1_051222</a:t>
-            </a:r>
-            <a:br>
-              <a:rPr lang="en-US" altLang="en-GB" b="1" dirty="0">
-                <a:solidFill>
-                  <a:srgbClr val="FF0000"/>
-                </a:solidFill>
-                <a:cs typeface="Arial" panose="020B0604020202020204"/>
-              </a:rPr>
-            </a:br>
+              <a:t>40A_UAS-TMEM192-3xHA x 40A 71G10 MARCM_around 12h - for quantification_3 Airy-CBs_300425</a:t>
+            </a:r>
             <a:endParaRPr lang="en-US" altLang="en-GB" b="1" dirty="0">
               <a:solidFill>
                 <a:srgbClr val="FF0000"/>
@@ -4110,6 +4332,40 @@
           </a:p>
         </p:txBody>
       </p:sp>
+      <p:pic>
+        <p:nvPicPr>
+          <p:cNvPr id="3" name="ch2_raw_and_fused_all_viz">
+            <a:hlinkClick r:id="" action="ppaction://media"/>
+          </p:cNvPr>
+          <p:cNvPicPr/>
+          <p:nvPr>
+            <a:videoFile r:link="rId1"/>
+            <p:extLst>
+              <p:ext uri="{DAA4B4D4-6D71-4841-9C94-3DE7FCFB9230}">
+                <p14:media xmlns:p14="http://schemas.microsoft.com/office/powerpoint/2010/main" r:embed="rId2"/>
+              </p:ext>
+            </p:extLst>
+            <p:custDataLst>
+              <p:tags r:id="rId3"/>
+            </p:custDataLst>
+          </p:nvPr>
+        </p:nvPicPr>
+        <p:blipFill>
+          <a:blip r:embed="rId4"/>
+          <a:stretch>
+            <a:fillRect/>
+          </a:stretch>
+        </p:blipFill>
+        <p:spPr>
+          <a:xfrm>
+            <a:off x="1082040" y="762000"/>
+            <a:ext cx="9895205" cy="5990590"/>
+          </a:xfrm>
+          <a:prstGeom prst="rect">
+            <a:avLst/>
+          </a:prstGeom>
+        </p:spPr>
+      </p:pic>
     </p:spTree>
   </p:cSld>
   <p:clrMapOvr>
@@ -4118,7 +4374,80 @@
   <p:timing>
     <p:tnLst>
       <p:par>
-        <p:cTn id="1" dur="indefinite" restart="never" nodeType="tmRoot"/>
+        <p:cTn id="1" dur="indefinite" restart="never" nodeType="tmRoot">
+          <p:childTnLst>
+            <p:video fullScrn="0">
+              <p:cMediaNode>
+                <p:cTn id="2" fill="hold" display="1">
+                  <p:stCondLst>
+                    <p:cond delay="indefinite"/>
+                  </p:stCondLst>
+                </p:cTn>
+                <p:tgtEl>
+                  <p:spTgt spid="3"/>
+                </p:tgtEl>
+              </p:cMediaNode>
+            </p:video>
+            <p:seq concurrent="1" nextAc="seek">
+              <p:cTn id="3" restart="whenNotActive" fill="hold" evtFilter="cancelBubble" nodeType="interactiveSeq">
+                <p:stCondLst>
+                  <p:cond evt="onClick" delay="0">
+                    <p:tgtEl>
+                      <p:spTgt spid="3"/>
+                    </p:tgtEl>
+                  </p:cond>
+                </p:stCondLst>
+                <p:endSync evt="end" delay="0">
+                  <p:rtn val="all"/>
+                </p:endSync>
+                <p:childTnLst>
+                  <p:par>
+                    <p:cTn id="4" fill="hold">
+                      <p:stCondLst>
+                        <p:cond delay="0"/>
+                      </p:stCondLst>
+                      <p:childTnLst>
+                        <p:par>
+                          <p:cTn id="5" fill="hold">
+                            <p:stCondLst>
+                              <p:cond delay="0"/>
+                            </p:stCondLst>
+                            <p:childTnLst>
+                              <p:par>
+                                <p:cTn id="6" presetID="2" presetClass="mediacall" presetSubtype="0" fill="hold" nodeType="clickEffect">
+                                  <p:stCondLst>
+                                    <p:cond delay="0"/>
+                                  </p:stCondLst>
+                                  <p:childTnLst>
+                                    <p:cmd type="call" cmd="togglePause">
+                                      <p:cBhvr additive="base">
+                                        <p:cTn id="7" dur="1" fill="hold"/>
+                                        <p:tgtEl>
+                                          <p:spTgt spid="3"/>
+                                        </p:tgtEl>
+                                      </p:cBhvr>
+                                    </p:cmd>
+                                  </p:childTnLst>
+                                </p:cTn>
+                              </p:par>
+                            </p:childTnLst>
+                          </p:cTn>
+                        </p:par>
+                      </p:childTnLst>
+                    </p:cTn>
+                  </p:par>
+                </p:childTnLst>
+              </p:cTn>
+              <p:nextCondLst>
+                <p:cond evt="onClick" delay="0">
+                  <p:tgtEl>
+                    <p:spTgt spid="3"/>
+                  </p:tgtEl>
+                </p:cond>
+              </p:nextCondLst>
+            </p:seq>
+          </p:childTnLst>
+        </p:cTn>
       </p:par>
     </p:tnLst>
   </p:timing>
@@ -4154,32 +4483,32 @@
         </p:nvSpPr>
         <p:spPr>
           <a:xfrm>
-            <a:off x="609600" y="190500"/>
-            <a:ext cx="10972800" cy="762000"/>
+            <a:off x="609600" y="57150"/>
+            <a:ext cx="10972800" cy="445135"/>
           </a:xfrm>
         </p:spPr>
         <p:txBody>
           <a:bodyPr lIns="91440" tIns="45720" rIns="91440" bIns="45720" anchor="ctr" anchorCtr="0"/>
           <a:lstStyle/>
           <a:p>
-            <a:r>
-              <a:rPr lang="en-US" altLang="en-GB" b="1" dirty="0">
-                <a:solidFill>
-                  <a:srgbClr val="FF0000"/>
-                </a:solidFill>
-                <a:cs typeface="Arial" panose="020B0604020202020204"/>
-              </a:rPr>
-              <a:t>Airy scan_40A_UAS-TMEM-HA_CB_4h_1_051222</a:t>
-            </a:r>
             <a:br>
-              <a:rPr lang="en-US" altLang="en-GB" b="1" dirty="0">
+              <a:rPr lang="en-US" altLang="en-GB" sz="2400" b="1" dirty="0">
                 <a:solidFill>
                   <a:srgbClr val="FF0000"/>
                 </a:solidFill>
                 <a:cs typeface="Arial" panose="020B0604020202020204"/>
               </a:rPr>
             </a:br>
-            <a:endParaRPr lang="en-US" altLang="en-GB" b="1" dirty="0">
+            <a:r>
+              <a:rPr lang="en-US" altLang="en-GB" sz="2400" b="1" dirty="0">
+                <a:solidFill>
+                  <a:srgbClr val="FF0000"/>
+                </a:solidFill>
+                <a:cs typeface="Arial" panose="020B0604020202020204"/>
+              </a:rPr>
+              <a:t>40A_UAS-TMEM192-3xHA x 40A 71G10 MARCM_around 12h - for quantification_3 Airy-CBs_300425</a:t>
+            </a:r>
+            <a:endParaRPr lang="en-US" altLang="en-GB" sz="2400" b="1" dirty="0">
               <a:solidFill>
                 <a:srgbClr val="FF0000"/>
               </a:solidFill>
@@ -4188,6 +4517,30 @@
           </a:p>
         </p:txBody>
       </p:sp>
+      <p:pic>
+        <p:nvPicPr>
+          <p:cNvPr id="3" name="Picture 2" descr="seg 1"/>
+          <p:cNvPicPr>
+            <a:picLocks noChangeAspect="1"/>
+          </p:cNvPicPr>
+          <p:nvPr/>
+        </p:nvPicPr>
+        <p:blipFill>
+          <a:blip r:embed="rId1"/>
+          <a:stretch>
+            <a:fillRect/>
+          </a:stretch>
+        </p:blipFill>
+        <p:spPr>
+          <a:xfrm>
+            <a:off x="1111250" y="886460"/>
+            <a:ext cx="9968865" cy="5787390"/>
+          </a:xfrm>
+          <a:prstGeom prst="rect">
+            <a:avLst/>
+          </a:prstGeom>
+        </p:spPr>
+      </p:pic>
     </p:spTree>
   </p:cSld>
   <p:clrMapOvr>
@@ -4232,32 +4585,32 @@
         </p:nvSpPr>
         <p:spPr>
           <a:xfrm>
-            <a:off x="609600" y="190500"/>
-            <a:ext cx="10972800" cy="762000"/>
+            <a:off x="609600" y="57150"/>
+            <a:ext cx="10972800" cy="445135"/>
           </a:xfrm>
         </p:spPr>
         <p:txBody>
           <a:bodyPr lIns="91440" tIns="45720" rIns="91440" bIns="45720" anchor="ctr" anchorCtr="0"/>
           <a:lstStyle/>
           <a:p>
-            <a:r>
-              <a:rPr lang="en-US" altLang="en-GB" b="1" dirty="0">
-                <a:solidFill>
-                  <a:srgbClr val="FF0000"/>
-                </a:solidFill>
-                <a:cs typeface="Arial" panose="020B0604020202020204"/>
-              </a:rPr>
-              <a:t>Airy scan_40A_UAS-TMEM-HA_CB_4h_2_051222</a:t>
-            </a:r>
             <a:br>
-              <a:rPr lang="en-US" altLang="en-GB" b="1" dirty="0">
+              <a:rPr lang="en-US" altLang="en-GB" sz="2400" b="1" dirty="0">
                 <a:solidFill>
                   <a:srgbClr val="FF0000"/>
                 </a:solidFill>
                 <a:cs typeface="Arial" panose="020B0604020202020204"/>
               </a:rPr>
             </a:br>
-            <a:endParaRPr lang="en-US" altLang="en-GB" b="1" dirty="0">
+            <a:r>
+              <a:rPr lang="en-US" altLang="en-GB" sz="2400" b="1" dirty="0">
+                <a:solidFill>
+                  <a:srgbClr val="FF0000"/>
+                </a:solidFill>
+                <a:cs typeface="Arial" panose="020B0604020202020204"/>
+              </a:rPr>
+              <a:t>40A_UAS-TMEM192-3xHA x 40A 71G10 MARCM_around 12h - for quantification_3 Airy-CBs_300425</a:t>
+            </a:r>
+            <a:endParaRPr lang="en-US" altLang="en-GB" sz="2400" b="1" dirty="0">
               <a:solidFill>
                 <a:srgbClr val="FF0000"/>
               </a:solidFill>
@@ -4266,6 +4619,102 @@
           </a:p>
         </p:txBody>
       </p:sp>
+      <p:pic>
+        <p:nvPicPr>
+          <p:cNvPr id="7" name="Picture 6"/>
+          <p:cNvPicPr>
+            <a:picLocks noChangeAspect="1"/>
+          </p:cNvPicPr>
+          <p:nvPr/>
+        </p:nvPicPr>
+        <p:blipFill>
+          <a:blip r:embed="rId1"/>
+          <a:stretch>
+            <a:fillRect/>
+          </a:stretch>
+        </p:blipFill>
+        <p:spPr>
+          <a:xfrm>
+            <a:off x="8514080" y="3147695"/>
+            <a:ext cx="1781175" cy="561975"/>
+          </a:xfrm>
+          <a:prstGeom prst="rect">
+            <a:avLst/>
+          </a:prstGeom>
+        </p:spPr>
+      </p:pic>
+      <p:pic>
+        <p:nvPicPr>
+          <p:cNvPr id="9" name="Picture 8"/>
+          <p:cNvPicPr>
+            <a:picLocks noChangeAspect="1"/>
+          </p:cNvPicPr>
+          <p:nvPr/>
+        </p:nvPicPr>
+        <p:blipFill>
+          <a:blip r:embed="rId2"/>
+          <a:stretch>
+            <a:fillRect/>
+          </a:stretch>
+        </p:blipFill>
+        <p:spPr>
+          <a:xfrm>
+            <a:off x="8629650" y="1009650"/>
+            <a:ext cx="1800225" cy="1771650"/>
+          </a:xfrm>
+          <a:prstGeom prst="rect">
+            <a:avLst/>
+          </a:prstGeom>
+        </p:spPr>
+      </p:pic>
+      <p:pic>
+        <p:nvPicPr>
+          <p:cNvPr id="10" name="Picture 9"/>
+          <p:cNvPicPr>
+            <a:picLocks noChangeAspect="1"/>
+          </p:cNvPicPr>
+          <p:nvPr/>
+        </p:nvPicPr>
+        <p:blipFill>
+          <a:blip r:embed="rId3"/>
+          <a:stretch>
+            <a:fillRect/>
+          </a:stretch>
+        </p:blipFill>
+        <p:spPr>
+          <a:xfrm>
+            <a:off x="196215" y="950595"/>
+            <a:ext cx="8115300" cy="4667250"/>
+          </a:xfrm>
+          <a:prstGeom prst="rect">
+            <a:avLst/>
+          </a:prstGeom>
+        </p:spPr>
+      </p:pic>
+      <p:pic>
+        <p:nvPicPr>
+          <p:cNvPr id="11" name="Picture 10"/>
+          <p:cNvPicPr>
+            <a:picLocks noChangeAspect="1"/>
+          </p:cNvPicPr>
+          <p:nvPr/>
+        </p:nvPicPr>
+        <p:blipFill>
+          <a:blip r:embed="rId4"/>
+          <a:stretch>
+            <a:fillRect/>
+          </a:stretch>
+        </p:blipFill>
+        <p:spPr>
+          <a:xfrm>
+            <a:off x="8434070" y="4201795"/>
+            <a:ext cx="2190750" cy="1038225"/>
+          </a:xfrm>
+          <a:prstGeom prst="rect">
+            <a:avLst/>
+          </a:prstGeom>
+        </p:spPr>
+      </p:pic>
     </p:spTree>
   </p:cSld>
   <p:clrMapOvr>
@@ -4319,22 +4768,14 @@
           <a:lstStyle/>
           <a:p>
             <a:r>
-              <a:rPr lang="en-US" altLang="en-GB" b="1" dirty="0">
+              <a:rPr lang="en-US" altLang="en-GB" sz="2400" b="1" dirty="0">
                 <a:solidFill>
                   <a:srgbClr val="FF0000"/>
                 </a:solidFill>
                 <a:cs typeface="Arial" panose="020B0604020202020204"/>
               </a:rPr>
-              <a:t>Airy scan_40A_UAS-TMEM-HA_CB_4h_2_051222</a:t>
-            </a:r>
-            <a:br>
-              <a:rPr lang="en-US" altLang="en-GB" b="1" dirty="0">
-                <a:solidFill>
-                  <a:srgbClr val="FF0000"/>
-                </a:solidFill>
-                <a:cs typeface="Arial" panose="020B0604020202020204"/>
-              </a:rPr>
-            </a:br>
+              <a:t>40A_UAS-TMEM1923x-HA x 71G10 40A MARCM_L3_2_Airy_010724</a:t>
+            </a:r>
             <a:endParaRPr lang="en-US" altLang="en-GB" b="1" dirty="0">
               <a:solidFill>
                 <a:srgbClr val="FF0000"/>
@@ -4344,6 +4785,40 @@
           </a:p>
         </p:txBody>
       </p:sp>
+      <p:pic>
+        <p:nvPicPr>
+          <p:cNvPr id="3" name="ch2_raw_and_fused">
+            <a:hlinkClick r:id="" action="ppaction://media"/>
+          </p:cNvPr>
+          <p:cNvPicPr/>
+          <p:nvPr>
+            <a:videoFile r:link="rId1"/>
+            <p:extLst>
+              <p:ext uri="{DAA4B4D4-6D71-4841-9C94-3DE7FCFB9230}">
+                <p14:media xmlns:p14="http://schemas.microsoft.com/office/powerpoint/2010/main" r:embed="rId2"/>
+              </p:ext>
+            </p:extLst>
+            <p:custDataLst>
+              <p:tags r:id="rId3"/>
+            </p:custDataLst>
+          </p:nvPr>
+        </p:nvPicPr>
+        <p:blipFill>
+          <a:blip r:embed="rId4"/>
+          <a:stretch>
+            <a:fillRect/>
+          </a:stretch>
+        </p:blipFill>
+        <p:spPr>
+          <a:xfrm>
+            <a:off x="396240" y="733425"/>
+            <a:ext cx="11399520" cy="5699760"/>
+          </a:xfrm>
+          <a:prstGeom prst="rect">
+            <a:avLst/>
+          </a:prstGeom>
+        </p:spPr>
+      </p:pic>
     </p:spTree>
   </p:cSld>
   <p:clrMapOvr>
@@ -4352,7 +4827,80 @@
   <p:timing>
     <p:tnLst>
       <p:par>
-        <p:cTn id="1" dur="indefinite" restart="never" nodeType="tmRoot"/>
+        <p:cTn id="1" dur="indefinite" restart="never" nodeType="tmRoot">
+          <p:childTnLst>
+            <p:video fullScrn="0">
+              <p:cMediaNode>
+                <p:cTn id="2" fill="hold" display="1">
+                  <p:stCondLst>
+                    <p:cond delay="indefinite"/>
+                  </p:stCondLst>
+                </p:cTn>
+                <p:tgtEl>
+                  <p:spTgt spid="3"/>
+                </p:tgtEl>
+              </p:cMediaNode>
+            </p:video>
+            <p:seq concurrent="1" nextAc="seek">
+              <p:cTn id="3" restart="whenNotActive" fill="hold" evtFilter="cancelBubble" nodeType="interactiveSeq">
+                <p:stCondLst>
+                  <p:cond evt="onClick" delay="0">
+                    <p:tgtEl>
+                      <p:spTgt spid="3"/>
+                    </p:tgtEl>
+                  </p:cond>
+                </p:stCondLst>
+                <p:endSync evt="end" delay="0">
+                  <p:rtn val="all"/>
+                </p:endSync>
+                <p:childTnLst>
+                  <p:par>
+                    <p:cTn id="4" fill="hold">
+                      <p:stCondLst>
+                        <p:cond delay="0"/>
+                      </p:stCondLst>
+                      <p:childTnLst>
+                        <p:par>
+                          <p:cTn id="5" fill="hold">
+                            <p:stCondLst>
+                              <p:cond delay="0"/>
+                            </p:stCondLst>
+                            <p:childTnLst>
+                              <p:par>
+                                <p:cTn id="6" presetID="2" presetClass="mediacall" presetSubtype="0" fill="hold" nodeType="clickEffect">
+                                  <p:stCondLst>
+                                    <p:cond delay="0"/>
+                                  </p:stCondLst>
+                                  <p:childTnLst>
+                                    <p:cmd type="call" cmd="togglePause">
+                                      <p:cBhvr additive="base">
+                                        <p:cTn id="7" dur="1" fill="hold"/>
+                                        <p:tgtEl>
+                                          <p:spTgt spid="3"/>
+                                        </p:tgtEl>
+                                      </p:cBhvr>
+                                    </p:cmd>
+                                  </p:childTnLst>
+                                </p:cTn>
+                              </p:par>
+                            </p:childTnLst>
+                          </p:cTn>
+                        </p:par>
+                      </p:childTnLst>
+                    </p:cTn>
+                  </p:par>
+                </p:childTnLst>
+              </p:cTn>
+              <p:nextCondLst>
+                <p:cond evt="onClick" delay="0">
+                  <p:tgtEl>
+                    <p:spTgt spid="3"/>
+                  </p:tgtEl>
+                </p:cond>
+              </p:nextCondLst>
+            </p:seq>
+          </p:childTnLst>
+        </p:cTn>
       </p:par>
     </p:tnLst>
   </p:timing>
@@ -4360,330 +4908,6 @@
 </file>
 
 <file path=ppt/slides/slide17.xml><?xml version="1.0" encoding="utf-8"?>
-<p:sld xmlns:a="http://schemas.openxmlformats.org/drawingml/2006/main" xmlns:r="http://schemas.openxmlformats.org/officeDocument/2006/relationships" xmlns:p="http://schemas.openxmlformats.org/presentationml/2006/main">
-  <p:cSld>
-    <p:spTree>
-      <p:nvGrpSpPr>
-        <p:cNvPr id="1" name=""/>
-        <p:cNvGrpSpPr/>
-        <p:nvPr/>
-      </p:nvGrpSpPr>
-      <p:grpSpPr/>
-      <p:sp>
-        <p:nvSpPr>
-          <p:cNvPr id="2" name="Title 1"/>
-          <p:cNvSpPr>
-            <a:spLocks noGrp="1"/>
-          </p:cNvSpPr>
-          <p:nvPr>
-            <p:ph type="title"/>
-          </p:nvPr>
-        </p:nvSpPr>
-        <p:spPr/>
-        <p:txBody>
-          <a:bodyPr/>
-          <a:p>
-            <a:r>
-              <a:rPr lang="en-US" altLang="en-GB" b="1">
-                <a:solidFill>
-                  <a:srgbClr val="FF0000"/>
-                </a:solidFill>
-                <a:sym typeface="+mn-ea"/>
-              </a:rPr>
-              <a:t>TMEM-HA 6h CB airy_3_170722</a:t>
-            </a:r>
-            <a:endParaRPr lang="en-US" altLang="en-GB" b="1">
-              <a:solidFill>
-                <a:srgbClr val="FF0000"/>
-              </a:solidFill>
-              <a:sym typeface="+mn-ea"/>
-            </a:endParaRPr>
-          </a:p>
-        </p:txBody>
-      </p:sp>
-    </p:spTree>
-  </p:cSld>
-  <p:clrMapOvr>
-    <a:masterClrMapping/>
-  </p:clrMapOvr>
-</p:sld>
-</file>
-
-<file path=ppt/slides/slide18.xml><?xml version="1.0" encoding="utf-8"?>
-<p:sld xmlns:a="http://schemas.openxmlformats.org/drawingml/2006/main" xmlns:r="http://schemas.openxmlformats.org/officeDocument/2006/relationships" xmlns:p="http://schemas.openxmlformats.org/presentationml/2006/main">
-  <p:cSld>
-    <p:spTree>
-      <p:nvGrpSpPr>
-        <p:cNvPr id="1" name=""/>
-        <p:cNvGrpSpPr/>
-        <p:nvPr/>
-      </p:nvGrpSpPr>
-      <p:grpSpPr/>
-      <p:sp>
-        <p:nvSpPr>
-          <p:cNvPr id="4" name="Title 3"/>
-          <p:cNvSpPr>
-            <a:spLocks noGrp="1"/>
-          </p:cNvSpPr>
-          <p:nvPr>
-            <p:ph type="title"/>
-          </p:nvPr>
-        </p:nvSpPr>
-        <p:spPr/>
-        <p:txBody>
-          <a:bodyPr/>
-          <a:p>
-            <a:r>
-              <a:rPr lang="en-US" altLang="en-GB" b="1">
-                <a:solidFill>
-                  <a:srgbClr val="FF0000"/>
-                </a:solidFill>
-                <a:sym typeface="+mn-ea"/>
-              </a:rPr>
-              <a:t>TMEM-HA 6h CB airy_3_170722</a:t>
-            </a:r>
-            <a:endParaRPr lang="en-US" altLang="en-GB" b="1">
-              <a:solidFill>
-                <a:srgbClr val="FF0000"/>
-              </a:solidFill>
-              <a:sym typeface="+mn-ea"/>
-            </a:endParaRPr>
-          </a:p>
-        </p:txBody>
-      </p:sp>
-    </p:spTree>
-  </p:cSld>
-  <p:clrMapOvr>
-    <a:masterClrMapping/>
-  </p:clrMapOvr>
-</p:sld>
-</file>
-
-<file path=ppt/slides/slide19.xml><?xml version="1.0" encoding="utf-8"?>
-<p:sld xmlns:a="http://schemas.openxmlformats.org/drawingml/2006/main" xmlns:r="http://schemas.openxmlformats.org/officeDocument/2006/relationships" xmlns:p="http://schemas.openxmlformats.org/presentationml/2006/main">
-  <p:cSld>
-    <p:spTree>
-      <p:nvGrpSpPr>
-        <p:cNvPr id="1" name=""/>
-        <p:cNvGrpSpPr/>
-        <p:nvPr/>
-      </p:nvGrpSpPr>
-      <p:grpSpPr/>
-      <p:sp>
-        <p:nvSpPr>
-          <p:cNvPr id="4" name="Title 3"/>
-          <p:cNvSpPr>
-            <a:spLocks noGrp="1"/>
-          </p:cNvSpPr>
-          <p:nvPr>
-            <p:ph type="title"/>
-          </p:nvPr>
-        </p:nvSpPr>
-        <p:spPr/>
-        <p:txBody>
-          <a:bodyPr/>
-          <a:p>
-            <a:r>
-              <a:rPr lang="en-US" altLang="en-GB" b="1">
-                <a:solidFill>
-                  <a:srgbClr val="FF0000"/>
-                </a:solidFill>
-                <a:sym typeface="+mn-ea"/>
-              </a:rPr>
-              <a:t>TMEM-HA 6h CB airy_3_170722</a:t>
-            </a:r>
-            <a:endParaRPr lang="en-US" altLang="en-GB" b="1">
-              <a:solidFill>
-                <a:srgbClr val="FF0000"/>
-              </a:solidFill>
-              <a:sym typeface="+mn-ea"/>
-            </a:endParaRPr>
-          </a:p>
-        </p:txBody>
-      </p:sp>
-    </p:spTree>
-  </p:cSld>
-  <p:clrMapOvr>
-    <a:masterClrMapping/>
-  </p:clrMapOvr>
-</p:sld>
-</file>
-
-<file path=ppt/slides/slide2.xml><?xml version="1.0" encoding="utf-8"?>
-<p:sld xmlns:a="http://schemas.openxmlformats.org/drawingml/2006/main" xmlns:r="http://schemas.openxmlformats.org/officeDocument/2006/relationships" xmlns:p="http://schemas.openxmlformats.org/presentationml/2006/main">
-  <p:cSld>
-    <p:spTree>
-      <p:nvGrpSpPr>
-        <p:cNvPr id="1" name=""/>
-        <p:cNvGrpSpPr/>
-        <p:nvPr/>
-      </p:nvGrpSpPr>
-      <p:grpSpPr/>
-      <p:sp>
-        <p:nvSpPr>
-          <p:cNvPr id="2" name="TextBox 1"/>
-          <p:cNvSpPr txBox="1"/>
-          <p:nvPr/>
-        </p:nvSpPr>
-        <p:spPr>
-          <a:xfrm>
-            <a:off x="457200" y="274320"/>
-            <a:ext cx="8000365" cy="697865"/>
-          </a:xfrm>
-          <a:prstGeom prst="rect">
-            <a:avLst/>
-          </a:prstGeom>
-          <a:noFill/>
-        </p:spPr>
-        <p:txBody>
-          <a:bodyPr wrap="none">
-            <a:noAutofit/>
-          </a:bodyPr>
-          <a:lstStyle/>
-          <a:p>
-            <a:pPr algn="l"/>
-            <a:r>
-              <a:rPr lang="en-US" altLang="en-GB" sz="3200" b="1">
-                <a:solidFill>
-                  <a:srgbClr val="FF0000"/>
-                </a:solidFill>
-                <a:effectLst>
-                  <a:outerShdw blurRad="38100" dist="38100" dir="2700000" algn="tl">
-                    <a:srgbClr val="000000">
-                      <a:alpha val="43137"/>
-                    </a:srgbClr>
-                  </a:outerShdw>
-                </a:effectLst>
-              </a:rPr>
-              <a:t>PROBLEMS</a:t>
-            </a:r>
-            <a:endParaRPr lang="en-US" altLang="en-GB" sz="3200" b="1">
-              <a:solidFill>
-                <a:srgbClr val="FF0000"/>
-              </a:solidFill>
-              <a:effectLst>
-                <a:outerShdw blurRad="38100" dist="38100" dir="2700000" algn="tl">
-                  <a:srgbClr val="000000">
-                    <a:alpha val="43137"/>
-                  </a:srgbClr>
-                </a:outerShdw>
-              </a:effectLst>
-            </a:endParaRPr>
-          </a:p>
-        </p:txBody>
-      </p:sp>
-      <p:sp>
-        <p:nvSpPr>
-          <p:cNvPr id="3" name="TextBox 2"/>
-          <p:cNvSpPr txBox="1"/>
-          <p:nvPr/>
-        </p:nvSpPr>
-        <p:spPr>
-          <a:xfrm>
-            <a:off x="731520" y="1371600"/>
-            <a:ext cx="309880" cy="1106805"/>
-          </a:xfrm>
-          <a:prstGeom prst="rect">
-            <a:avLst/>
-          </a:prstGeom>
-          <a:noFill/>
-        </p:spPr>
-        <p:txBody>
-          <a:bodyPr wrap="none">
-            <a:spAutoFit/>
-          </a:bodyPr>
-          <a:lstStyle/>
-          <a:p/>
-          <a:p>
-            <a:pPr>
-              <a:defRPr sz="2800">
-                <a:solidFill>
-                  <a:srgbClr val="323232"/>
-                </a:solidFill>
-              </a:defRPr>
-            </a:pPr>
-            <a:endParaRPr lang="en-US" sz="4800"/>
-          </a:p>
-        </p:txBody>
-      </p:sp>
-      <p:sp>
-        <p:nvSpPr>
-          <p:cNvPr id="4" name="Text Box 3"/>
-          <p:cNvSpPr txBox="1"/>
-          <p:nvPr/>
-        </p:nvSpPr>
-        <p:spPr>
-          <a:xfrm>
-            <a:off x="635635" y="834390"/>
-            <a:ext cx="11173460" cy="4707890"/>
-          </a:xfrm>
-          <a:prstGeom prst="rect">
-            <a:avLst/>
-          </a:prstGeom>
-          <a:noFill/>
-        </p:spPr>
-        <p:txBody>
-          <a:bodyPr wrap="square" rtlCol="0">
-            <a:spAutoFit/>
-          </a:bodyPr>
-          <a:p>
-            <a:pPr marL="285750" indent="-285750">
-              <a:buFont typeface="Arial" panose="020B0604020202020204" pitchFamily="34" charset="0"/>
-              <a:buChar char="•"/>
-            </a:pPr>
-            <a:r>
-              <a:rPr lang="en-US" altLang="en-GB" sz="4400"/>
-              <a:t>Incorrect scale values.</a:t>
-            </a:r>
-            <a:endParaRPr lang="en-US" altLang="en-GB" sz="4400"/>
-          </a:p>
-          <a:p>
-            <a:pPr marL="285750" indent="-285750">
-              <a:buFont typeface="Arial" panose="020B0604020202020204" pitchFamily="34" charset="0"/>
-              <a:buChar char="•"/>
-            </a:pPr>
-            <a:r>
-              <a:rPr lang="en-US" altLang="en-GB" sz="4400"/>
-              <a:t>Inaccurate radius estimation.</a:t>
-            </a:r>
-            <a:endParaRPr lang="en-US" altLang="en-GB" sz="4400"/>
-          </a:p>
-          <a:p>
-            <a:pPr marL="285750" indent="-285750">
-              <a:buFont typeface="Arial" panose="020B0604020202020204" pitchFamily="34" charset="0"/>
-              <a:buChar char="•"/>
-            </a:pPr>
-            <a:r>
-              <a:rPr lang="en-US" altLang="en-GB" sz="4400"/>
-              <a:t>Lysosomes located near organelle borders are being classified as outside the cell, even though they should be counted as inside.</a:t>
-            </a:r>
-            <a:endParaRPr lang="en-US" altLang="en-GB" sz="4400"/>
-          </a:p>
-          <a:p>
-            <a:pPr marL="285750" indent="-285750">
-              <a:buFont typeface="Arial" panose="020B0604020202020204" pitchFamily="34" charset="0"/>
-              <a:buChar char="•"/>
-            </a:pPr>
-            <a:endParaRPr lang="en-US" altLang="en-GB"/>
-          </a:p>
-          <a:p>
-            <a:pPr marL="285750" indent="-285750">
-              <a:buFont typeface="Arial" panose="020B0604020202020204" pitchFamily="34" charset="0"/>
-              <a:buChar char="•"/>
-            </a:pPr>
-            <a:endParaRPr lang="en-US" altLang="en-GB"/>
-          </a:p>
-        </p:txBody>
-      </p:sp>
-    </p:spTree>
-  </p:cSld>
-  <p:clrMapOvr>
-    <a:masterClrMapping/>
-  </p:clrMapOvr>
-</p:sld>
-</file>
-
-<file path=ppt/slides/slide20.xml><?xml version="1.0" encoding="utf-8"?>
 <p:sld xmlns:a="http://schemas.openxmlformats.org/drawingml/2006/main" xmlns:r="http://schemas.openxmlformats.org/officeDocument/2006/relationships" xmlns:p="http://schemas.openxmlformats.org/presentationml/2006/main">
   <p:cSld>
     <p:spTree>
@@ -4702,7 +4926,7 @@
       </p:grpSpPr>
       <p:sp>
         <p:nvSpPr>
-          <p:cNvPr id="2" name="Título 1"/>
+          <p:cNvPr id="9" name="Título 1"/>
           <p:cNvSpPr>
             <a:spLocks noGrp="1"/>
           </p:cNvSpPr>
@@ -4712,7 +4936,7 @@
         </p:nvSpPr>
         <p:spPr>
           <a:xfrm>
-            <a:off x="609600" y="952500"/>
+            <a:off x="609600" y="190500"/>
             <a:ext cx="10972800" cy="762000"/>
           </a:xfrm>
         </p:spPr>
@@ -4721,27 +4945,529 @@
           <a:lstStyle/>
           <a:p>
             <a:r>
-              <a:rPr lang="en-US" altLang="en-GB" b="1" dirty="0">
+              <a:rPr lang="en-US" altLang="en-GB" sz="2400" b="1" dirty="0">
                 <a:solidFill>
                   <a:srgbClr val="FF0000"/>
                 </a:solidFill>
                 <a:cs typeface="Arial" panose="020B0604020202020204"/>
               </a:rPr>
-              <a:t>40A_UAS-TMEM192-3xHA x 40A 71G10 MARCM_around 12h - for quantification_4 Airy-CBs_300425</a:t>
-            </a:r>
-            <a:br>
-              <a:rPr lang="en-US" altLang="en-GB" b="1" dirty="0">
-                <a:solidFill>
-                  <a:srgbClr val="FF0000"/>
-                </a:solidFill>
-                <a:cs typeface="Arial" panose="020B0604020202020204"/>
-              </a:rPr>
-            </a:br>
+              <a:t>40A_UAS-TMEM1923x-HA x 71G10 40A MARCM_L3_2_Airy_010724</a:t>
+            </a:r>
             <a:endParaRPr lang="en-US" altLang="en-GB" b="1" dirty="0">
               <a:solidFill>
                 <a:srgbClr val="FF0000"/>
               </a:solidFill>
               <a:cs typeface="Arial" panose="020B0604020202020204"/>
+            </a:endParaRPr>
+          </a:p>
+        </p:txBody>
+      </p:sp>
+      <p:pic>
+        <p:nvPicPr>
+          <p:cNvPr id="2" name="Picture 1" descr="SEG 1"/>
+          <p:cNvPicPr>
+            <a:picLocks noChangeAspect="1"/>
+          </p:cNvPicPr>
+          <p:nvPr/>
+        </p:nvPicPr>
+        <p:blipFill>
+          <a:blip r:embed="rId1"/>
+          <a:stretch>
+            <a:fillRect/>
+          </a:stretch>
+        </p:blipFill>
+        <p:spPr>
+          <a:xfrm>
+            <a:off x="1326515" y="1031875"/>
+            <a:ext cx="9354820" cy="5430520"/>
+          </a:xfrm>
+          <a:prstGeom prst="rect">
+            <a:avLst/>
+          </a:prstGeom>
+        </p:spPr>
+      </p:pic>
+      <p:sp>
+        <p:nvSpPr>
+          <p:cNvPr id="3" name="Oval 2"/>
+          <p:cNvSpPr/>
+          <p:nvPr/>
+        </p:nvSpPr>
+        <p:spPr>
+          <a:xfrm>
+            <a:off x="5053965" y="3433445"/>
+            <a:ext cx="472440" cy="405130"/>
+          </a:xfrm>
+          <a:prstGeom prst="ellipse">
+            <a:avLst/>
+          </a:prstGeom>
+          <a:gradFill rotWithShape="0">
+            <a:gsLst>
+              <a:gs pos="0">
+                <a:schemeClr val="accent1"/>
+              </a:gs>
+              <a:gs pos="100000">
+                <a:schemeClr val="accent2"/>
+              </a:gs>
+            </a:gsLst>
+            <a:lin ang="5400000" scaled="1"/>
+          </a:gradFill>
+          <a:ln w="9525" cap="flat" cmpd="sng" algn="ctr">
+            <a:solidFill>
+              <a:schemeClr val="accent1"/>
+            </a:solidFill>
+            <a:prstDash val="solid"/>
+            <a:round/>
+            <a:headEnd type="none" w="med" len="med"/>
+            <a:tailEnd type="none" w="med" len="med"/>
+          </a:ln>
+        </p:spPr>
+        <p:txBody>
+          <a:bodyPr vert="horz" wrap="none" lIns="91440" tIns="45720" rIns="91440" bIns="45720" numCol="1" anchor="ctr" anchorCtr="0" compatLnSpc="1"/>
+          <a:p>
+            <a:pPr marL="0" marR="0" indent="0" algn="l" defTabSz="914400" rtl="0" eaLnBrk="1" fontAlgn="base" latinLnBrk="0" hangingPunct="1">
+              <a:lnSpc>
+                <a:spcPct val="100000"/>
+              </a:lnSpc>
+              <a:spcBef>
+                <a:spcPct val="0"/>
+              </a:spcBef>
+              <a:spcAft>
+                <a:spcPct val="0"/>
+              </a:spcAft>
+              <a:buClrTx/>
+              <a:buSzTx/>
+              <a:buFontTx/>
+              <a:buNone/>
+            </a:pPr>
+            <a:r>
+              <a:rPr kumimoji="0" lang="en-US" altLang="zh-CN" sz="1800" b="0" i="0" u="none" strike="noStrike" cap="none" normalizeH="0" baseline="0" smtClean="0">
+                <a:ln>
+                  <a:noFill/>
+                </a:ln>
+                <a:solidFill>
+                  <a:schemeClr val="tx1"/>
+                </a:solidFill>
+                <a:effectLst/>
+                <a:latin typeface="Arial" panose="020B0604020202020204" pitchFamily="34" charset="0"/>
+                <a:ea typeface="SimSun" panose="02010600030101010101" pitchFamily="2" charset="-122"/>
+              </a:rPr>
+              <a:t>2</a:t>
+            </a:r>
+            <a:endParaRPr kumimoji="0" lang="en-US" altLang="zh-CN" sz="1800" b="0" i="0" u="none" strike="noStrike" cap="none" normalizeH="0" baseline="0" smtClean="0">
+              <a:ln>
+                <a:noFill/>
+              </a:ln>
+              <a:solidFill>
+                <a:schemeClr val="tx1"/>
+              </a:solidFill>
+              <a:effectLst/>
+              <a:latin typeface="Arial" panose="020B0604020202020204" pitchFamily="34" charset="0"/>
+              <a:ea typeface="SimSun" panose="02010600030101010101" pitchFamily="2" charset="-122"/>
+            </a:endParaRPr>
+          </a:p>
+        </p:txBody>
+      </p:sp>
+      <p:sp>
+        <p:nvSpPr>
+          <p:cNvPr id="4" name="Oval 3"/>
+          <p:cNvSpPr/>
+          <p:nvPr/>
+        </p:nvSpPr>
+        <p:spPr>
+          <a:xfrm>
+            <a:off x="5844540" y="1552575"/>
+            <a:ext cx="415290" cy="424180"/>
+          </a:xfrm>
+          <a:prstGeom prst="ellipse">
+            <a:avLst/>
+          </a:prstGeom>
+          <a:gradFill rotWithShape="0">
+            <a:gsLst>
+              <a:gs pos="0">
+                <a:schemeClr val="accent1"/>
+              </a:gs>
+              <a:gs pos="100000">
+                <a:schemeClr val="accent2"/>
+              </a:gs>
+            </a:gsLst>
+            <a:lin ang="5400000" scaled="1"/>
+          </a:gradFill>
+          <a:ln w="9525" cap="flat" cmpd="sng" algn="ctr">
+            <a:solidFill>
+              <a:schemeClr val="accent1"/>
+            </a:solidFill>
+            <a:prstDash val="solid"/>
+            <a:round/>
+            <a:headEnd type="none" w="med" len="med"/>
+            <a:tailEnd type="none" w="med" len="med"/>
+          </a:ln>
+        </p:spPr>
+        <p:txBody>
+          <a:bodyPr vert="horz" wrap="none" lIns="91440" tIns="45720" rIns="91440" bIns="45720" numCol="1" anchor="ctr" anchorCtr="0" compatLnSpc="1"/>
+          <a:p>
+            <a:pPr marL="0" marR="0" indent="0" algn="l" defTabSz="914400" rtl="0" eaLnBrk="1" fontAlgn="base" latinLnBrk="0" hangingPunct="1">
+              <a:lnSpc>
+                <a:spcPct val="100000"/>
+              </a:lnSpc>
+              <a:spcBef>
+                <a:spcPct val="0"/>
+              </a:spcBef>
+              <a:spcAft>
+                <a:spcPct val="0"/>
+              </a:spcAft>
+              <a:buClrTx/>
+              <a:buSzTx/>
+              <a:buFontTx/>
+              <a:buNone/>
+            </a:pPr>
+            <a:r>
+              <a:rPr kumimoji="0" lang="en-US" altLang="zh-CN" sz="1800" b="0" i="0" u="none" strike="noStrike" cap="none" normalizeH="0" baseline="0" smtClean="0">
+                <a:ln>
+                  <a:noFill/>
+                </a:ln>
+                <a:solidFill>
+                  <a:schemeClr val="tx1"/>
+                </a:solidFill>
+                <a:effectLst/>
+                <a:latin typeface="Arial" panose="020B0604020202020204" pitchFamily="34" charset="0"/>
+                <a:ea typeface="SimSun" panose="02010600030101010101" pitchFamily="2" charset="-122"/>
+              </a:rPr>
+              <a:t>28</a:t>
+            </a:r>
+            <a:endParaRPr kumimoji="0" lang="en-US" altLang="zh-CN" sz="1800" b="0" i="0" u="none" strike="noStrike" cap="none" normalizeH="0" baseline="0" smtClean="0">
+              <a:ln>
+                <a:noFill/>
+              </a:ln>
+              <a:solidFill>
+                <a:schemeClr val="tx1"/>
+              </a:solidFill>
+              <a:effectLst/>
+              <a:latin typeface="Arial" panose="020B0604020202020204" pitchFamily="34" charset="0"/>
+              <a:ea typeface="SimSun" panose="02010600030101010101" pitchFamily="2" charset="-122"/>
+            </a:endParaRPr>
+          </a:p>
+        </p:txBody>
+      </p:sp>
+      <p:sp>
+        <p:nvSpPr>
+          <p:cNvPr id="5" name="Oval 4"/>
+          <p:cNvSpPr/>
+          <p:nvPr/>
+        </p:nvSpPr>
+        <p:spPr>
+          <a:xfrm>
+            <a:off x="6076315" y="5748020"/>
+            <a:ext cx="559435" cy="434340"/>
+          </a:xfrm>
+          <a:prstGeom prst="ellipse">
+            <a:avLst/>
+          </a:prstGeom>
+          <a:gradFill rotWithShape="0">
+            <a:gsLst>
+              <a:gs pos="0">
+                <a:schemeClr val="accent1"/>
+              </a:gs>
+              <a:gs pos="100000">
+                <a:schemeClr val="accent2"/>
+              </a:gs>
+            </a:gsLst>
+            <a:lin ang="5400000" scaled="1"/>
+          </a:gradFill>
+          <a:ln w="9525" cap="flat" cmpd="sng" algn="ctr">
+            <a:solidFill>
+              <a:schemeClr val="accent1"/>
+            </a:solidFill>
+            <a:prstDash val="solid"/>
+            <a:round/>
+            <a:headEnd type="none" w="med" len="med"/>
+            <a:tailEnd type="none" w="med" len="med"/>
+          </a:ln>
+        </p:spPr>
+        <p:txBody>
+          <a:bodyPr vert="horz" wrap="none" lIns="91440" tIns="45720" rIns="91440" bIns="45720" numCol="1" anchor="ctr" anchorCtr="0" compatLnSpc="1"/>
+          <a:p>
+            <a:pPr marL="0" marR="0" indent="0" algn="l" defTabSz="914400" rtl="0" eaLnBrk="1" fontAlgn="base" latinLnBrk="0" hangingPunct="1">
+              <a:lnSpc>
+                <a:spcPct val="100000"/>
+              </a:lnSpc>
+              <a:spcBef>
+                <a:spcPct val="0"/>
+              </a:spcBef>
+              <a:spcAft>
+                <a:spcPct val="0"/>
+              </a:spcAft>
+              <a:buClrTx/>
+              <a:buSzTx/>
+              <a:buFontTx/>
+              <a:buNone/>
+            </a:pPr>
+            <a:r>
+              <a:rPr kumimoji="0" lang="en-US" altLang="zh-CN" sz="1800" b="0" i="0" u="none" strike="noStrike" cap="none" normalizeH="0" baseline="0" smtClean="0">
+                <a:ln>
+                  <a:noFill/>
+                </a:ln>
+                <a:solidFill>
+                  <a:schemeClr val="tx1"/>
+                </a:solidFill>
+                <a:effectLst/>
+                <a:latin typeface="Arial" panose="020B0604020202020204" pitchFamily="34" charset="0"/>
+                <a:ea typeface="SimSun" panose="02010600030101010101" pitchFamily="2" charset="-122"/>
+              </a:rPr>
+              <a:t>95</a:t>
+            </a:r>
+            <a:endParaRPr kumimoji="0" lang="en-US" altLang="zh-CN" sz="1800" b="0" i="0" u="none" strike="noStrike" cap="none" normalizeH="0" baseline="0" smtClean="0">
+              <a:ln>
+                <a:noFill/>
+              </a:ln>
+              <a:solidFill>
+                <a:schemeClr val="tx1"/>
+              </a:solidFill>
+              <a:effectLst/>
+              <a:latin typeface="Arial" panose="020B0604020202020204" pitchFamily="34" charset="0"/>
+              <a:ea typeface="SimSun" panose="02010600030101010101" pitchFamily="2" charset="-122"/>
+            </a:endParaRPr>
+          </a:p>
+        </p:txBody>
+      </p:sp>
+      <p:sp>
+        <p:nvSpPr>
+          <p:cNvPr id="6" name="Oval 5"/>
+          <p:cNvSpPr/>
+          <p:nvPr/>
+        </p:nvSpPr>
+        <p:spPr>
+          <a:xfrm>
+            <a:off x="3655060" y="2092325"/>
+            <a:ext cx="473075" cy="434340"/>
+          </a:xfrm>
+          <a:prstGeom prst="ellipse">
+            <a:avLst/>
+          </a:prstGeom>
+          <a:gradFill rotWithShape="0">
+            <a:gsLst>
+              <a:gs pos="0">
+                <a:schemeClr val="accent1"/>
+              </a:gs>
+              <a:gs pos="100000">
+                <a:schemeClr val="accent2"/>
+              </a:gs>
+            </a:gsLst>
+            <a:lin ang="5400000" scaled="1"/>
+          </a:gradFill>
+          <a:ln w="9525" cap="flat" cmpd="sng" algn="ctr">
+            <a:solidFill>
+              <a:schemeClr val="accent1"/>
+            </a:solidFill>
+            <a:prstDash val="solid"/>
+            <a:round/>
+            <a:headEnd type="none" w="med" len="med"/>
+            <a:tailEnd type="none" w="med" len="med"/>
+          </a:ln>
+        </p:spPr>
+        <p:txBody>
+          <a:bodyPr vert="horz" wrap="none" lIns="91440" tIns="45720" rIns="91440" bIns="45720" numCol="1" anchor="ctr" anchorCtr="0" compatLnSpc="1"/>
+          <a:p>
+            <a:pPr marL="0" marR="0" indent="0" algn="l" defTabSz="914400" rtl="0" eaLnBrk="1" fontAlgn="base" latinLnBrk="0" hangingPunct="1">
+              <a:lnSpc>
+                <a:spcPct val="100000"/>
+              </a:lnSpc>
+              <a:spcBef>
+                <a:spcPct val="0"/>
+              </a:spcBef>
+              <a:spcAft>
+                <a:spcPct val="0"/>
+              </a:spcAft>
+              <a:buClrTx/>
+              <a:buSzTx/>
+              <a:buFontTx/>
+              <a:buNone/>
+            </a:pPr>
+            <a:r>
+              <a:rPr kumimoji="0" lang="en-US" altLang="zh-CN" sz="1800" b="0" i="0" u="none" strike="noStrike" cap="none" normalizeH="0" baseline="0" smtClean="0">
+                <a:ln>
+                  <a:noFill/>
+                </a:ln>
+                <a:solidFill>
+                  <a:schemeClr val="tx1"/>
+                </a:solidFill>
+                <a:effectLst/>
+                <a:latin typeface="Arial" panose="020B0604020202020204" pitchFamily="34" charset="0"/>
+                <a:ea typeface="SimSun" panose="02010600030101010101" pitchFamily="2" charset="-122"/>
+              </a:rPr>
+              <a:t>96</a:t>
+            </a:r>
+            <a:endParaRPr kumimoji="0" lang="en-US" altLang="zh-CN" sz="1800" b="0" i="0" u="none" strike="noStrike" cap="none" normalizeH="0" baseline="0" smtClean="0">
+              <a:ln>
+                <a:noFill/>
+              </a:ln>
+              <a:solidFill>
+                <a:schemeClr val="tx1"/>
+              </a:solidFill>
+              <a:effectLst/>
+              <a:latin typeface="Arial" panose="020B0604020202020204" pitchFamily="34" charset="0"/>
+              <a:ea typeface="SimSun" panose="02010600030101010101" pitchFamily="2" charset="-122"/>
+            </a:endParaRPr>
+          </a:p>
+        </p:txBody>
+      </p:sp>
+      <p:sp>
+        <p:nvSpPr>
+          <p:cNvPr id="7" name="Oval 6"/>
+          <p:cNvSpPr/>
+          <p:nvPr/>
+        </p:nvSpPr>
+        <p:spPr>
+          <a:xfrm>
+            <a:off x="8574405" y="4638675"/>
+            <a:ext cx="636905" cy="530860"/>
+          </a:xfrm>
+          <a:prstGeom prst="ellipse">
+            <a:avLst/>
+          </a:prstGeom>
+          <a:gradFill rotWithShape="0">
+            <a:gsLst>
+              <a:gs pos="0">
+                <a:schemeClr val="accent1"/>
+              </a:gs>
+              <a:gs pos="100000">
+                <a:schemeClr val="accent2"/>
+              </a:gs>
+            </a:gsLst>
+            <a:lin ang="5400000" scaled="1"/>
+          </a:gradFill>
+          <a:ln w="9525" cap="flat" cmpd="sng" algn="ctr">
+            <a:solidFill>
+              <a:schemeClr val="accent1"/>
+            </a:solidFill>
+            <a:prstDash val="solid"/>
+            <a:round/>
+            <a:headEnd type="none" w="med" len="med"/>
+            <a:tailEnd type="none" w="med" len="med"/>
+          </a:ln>
+        </p:spPr>
+        <p:txBody>
+          <a:bodyPr vert="horz" wrap="none" lIns="91440" tIns="45720" rIns="91440" bIns="45720" numCol="1" anchor="ctr" anchorCtr="0" compatLnSpc="1"/>
+          <a:p>
+            <a:pPr marL="0" marR="0" indent="0" algn="l" defTabSz="914400" rtl="0" eaLnBrk="1" fontAlgn="base" latinLnBrk="0" hangingPunct="1">
+              <a:lnSpc>
+                <a:spcPct val="100000"/>
+              </a:lnSpc>
+              <a:spcBef>
+                <a:spcPct val="0"/>
+              </a:spcBef>
+              <a:spcAft>
+                <a:spcPct val="0"/>
+              </a:spcAft>
+              <a:buClrTx/>
+              <a:buSzTx/>
+              <a:buFontTx/>
+              <a:buNone/>
+            </a:pPr>
+            <a:r>
+              <a:rPr kumimoji="0" lang="en-US" altLang="zh-CN" sz="1800" b="0" i="0" u="none" strike="noStrike" cap="none" normalizeH="0" baseline="0" smtClean="0">
+                <a:ln>
+                  <a:noFill/>
+                </a:ln>
+                <a:solidFill>
+                  <a:schemeClr val="tx1"/>
+                </a:solidFill>
+                <a:effectLst/>
+                <a:latin typeface="Arial" panose="020B0604020202020204" pitchFamily="34" charset="0"/>
+                <a:ea typeface="SimSun" panose="02010600030101010101" pitchFamily="2" charset="-122"/>
+              </a:rPr>
+              <a:t>85</a:t>
+            </a:r>
+            <a:endParaRPr kumimoji="0" lang="en-US" altLang="zh-CN" sz="1800" b="0" i="0" u="none" strike="noStrike" cap="none" normalizeH="0" baseline="0" smtClean="0">
+              <a:ln>
+                <a:noFill/>
+              </a:ln>
+              <a:solidFill>
+                <a:schemeClr val="tx1"/>
+              </a:solidFill>
+              <a:effectLst/>
+              <a:latin typeface="Arial" panose="020B0604020202020204" pitchFamily="34" charset="0"/>
+              <a:ea typeface="SimSun" panose="02010600030101010101" pitchFamily="2" charset="-122"/>
+            </a:endParaRPr>
+          </a:p>
+        </p:txBody>
+      </p:sp>
+      <p:sp>
+        <p:nvSpPr>
+          <p:cNvPr id="8" name="Oval 7"/>
+          <p:cNvSpPr/>
+          <p:nvPr/>
+        </p:nvSpPr>
+        <p:spPr>
+          <a:xfrm>
+            <a:off x="5342890" y="2642235"/>
+            <a:ext cx="434340" cy="453390"/>
+          </a:xfrm>
+          <a:prstGeom prst="ellipse">
+            <a:avLst/>
+          </a:prstGeom>
+          <a:gradFill rotWithShape="0">
+            <a:gsLst>
+              <a:gs pos="0">
+                <a:schemeClr val="accent1"/>
+              </a:gs>
+              <a:gs pos="100000">
+                <a:schemeClr val="accent2"/>
+              </a:gs>
+            </a:gsLst>
+            <a:lin ang="5400000" scaled="1"/>
+          </a:gradFill>
+          <a:ln w="9525" cap="flat" cmpd="sng" algn="ctr">
+            <a:solidFill>
+              <a:schemeClr val="accent1"/>
+            </a:solidFill>
+            <a:prstDash val="solid"/>
+            <a:round/>
+            <a:headEnd type="none" w="med" len="med"/>
+            <a:tailEnd type="none" w="med" len="med"/>
+          </a:ln>
+        </p:spPr>
+        <p:txBody>
+          <a:bodyPr vert="horz" wrap="none" lIns="91440" tIns="45720" rIns="91440" bIns="45720" numCol="1" anchor="ctr" anchorCtr="0" compatLnSpc="1"/>
+          <a:p>
+            <a:pPr marL="0" marR="0" indent="0" algn="l" defTabSz="914400" rtl="0" eaLnBrk="1" fontAlgn="base" latinLnBrk="0" hangingPunct="1">
+              <a:lnSpc>
+                <a:spcPct val="100000"/>
+              </a:lnSpc>
+              <a:spcBef>
+                <a:spcPct val="0"/>
+              </a:spcBef>
+              <a:spcAft>
+                <a:spcPct val="0"/>
+              </a:spcAft>
+              <a:buClrTx/>
+              <a:buSzTx/>
+              <a:buFontTx/>
+              <a:buNone/>
+            </a:pPr>
+            <a:r>
+              <a:rPr kumimoji="0" lang="en-US" altLang="zh-CN" sz="1800" b="0" i="0" u="none" strike="noStrike" cap="none" normalizeH="0" baseline="0" smtClean="0">
+                <a:ln>
+                  <a:noFill/>
+                </a:ln>
+                <a:solidFill>
+                  <a:schemeClr val="tx1"/>
+                </a:solidFill>
+                <a:effectLst/>
+                <a:latin typeface="Arial" panose="020B0604020202020204" pitchFamily="34" charset="0"/>
+                <a:ea typeface="SimSun" panose="02010600030101010101" pitchFamily="2" charset="-122"/>
+              </a:rPr>
+              <a:t>45</a:t>
+            </a:r>
+            <a:endParaRPr kumimoji="0" lang="en-US" altLang="zh-CN" sz="1800" b="0" i="0" u="none" strike="noStrike" cap="none" normalizeH="0" baseline="0" smtClean="0">
+              <a:ln>
+                <a:noFill/>
+              </a:ln>
+              <a:solidFill>
+                <a:schemeClr val="tx1"/>
+              </a:solidFill>
+              <a:effectLst/>
+              <a:latin typeface="Arial" panose="020B0604020202020204" pitchFamily="34" charset="0"/>
+              <a:ea typeface="SimSun" panose="02010600030101010101" pitchFamily="2" charset="-122"/>
             </a:endParaRPr>
           </a:p>
         </p:txBody>
@@ -4761,7 +5487,7 @@
 </p:sld>
 </file>
 
-<file path=ppt/slides/slide21.xml><?xml version="1.0" encoding="utf-8"?>
+<file path=ppt/slides/slide18.xml><?xml version="1.0" encoding="utf-8"?>
 <p:sld xmlns:a="http://schemas.openxmlformats.org/drawingml/2006/main" xmlns:r="http://schemas.openxmlformats.org/officeDocument/2006/relationships" xmlns:p="http://schemas.openxmlformats.org/presentationml/2006/main">
   <p:cSld>
     <p:spTree>
@@ -4790,7 +5516,7 @@
         </p:nvSpPr>
         <p:spPr>
           <a:xfrm>
-            <a:off x="542925" y="0"/>
+            <a:off x="609600" y="190500"/>
             <a:ext cx="10972800" cy="762000"/>
           </a:xfrm>
         </p:spPr>
@@ -4805,7 +5531,7 @@
                 </a:solidFill>
                 <a:cs typeface="Arial" panose="020B0604020202020204"/>
               </a:rPr>
-              <a:t>40A_UAS-TMEM192-3xHA x 40A 71G10 MARCM_around 12h - for quantification_3 Airy-CBs_300425</a:t>
+              <a:t>40A_UAS-TMEM1923x-HA x 71G10 40A MARCM_L3_2_Airy_010724</a:t>
             </a:r>
             <a:endParaRPr lang="en-US" altLang="en-GB" b="1" dirty="0">
               <a:solidFill>
@@ -4816,6 +5542,692 @@
           </a:p>
         </p:txBody>
       </p:sp>
+      <p:pic>
+        <p:nvPicPr>
+          <p:cNvPr id="3" name="Picture 2"/>
+          <p:cNvPicPr>
+            <a:picLocks noChangeAspect="1"/>
+          </p:cNvPicPr>
+          <p:nvPr/>
+        </p:nvPicPr>
+        <p:blipFill>
+          <a:blip r:embed="rId1"/>
+          <a:stretch>
+            <a:fillRect/>
+          </a:stretch>
+        </p:blipFill>
+        <p:spPr>
+          <a:xfrm>
+            <a:off x="544195" y="864870"/>
+            <a:ext cx="4606925" cy="3825240"/>
+          </a:xfrm>
+          <a:prstGeom prst="rect">
+            <a:avLst/>
+          </a:prstGeom>
+        </p:spPr>
+      </p:pic>
+      <p:sp>
+        <p:nvSpPr>
+          <p:cNvPr id="4" name="Rectangles 3"/>
+          <p:cNvSpPr/>
+          <p:nvPr/>
+        </p:nvSpPr>
+        <p:spPr>
+          <a:xfrm>
+            <a:off x="544195" y="4690110"/>
+            <a:ext cx="4606925" cy="250825"/>
+          </a:xfrm>
+          <a:prstGeom prst="rect">
+            <a:avLst/>
+          </a:prstGeom>
+          <a:gradFill rotWithShape="0">
+            <a:gsLst>
+              <a:gs pos="0">
+                <a:schemeClr val="accent1"/>
+              </a:gs>
+              <a:gs pos="100000">
+                <a:schemeClr val="accent2"/>
+              </a:gs>
+            </a:gsLst>
+            <a:lin ang="5400000" scaled="1"/>
+          </a:gradFill>
+          <a:ln w="9525" cap="flat" cmpd="sng" algn="ctr">
+            <a:solidFill>
+              <a:schemeClr val="accent1"/>
+            </a:solidFill>
+            <a:prstDash val="solid"/>
+            <a:round/>
+            <a:headEnd type="none" w="med" len="med"/>
+            <a:tailEnd type="none" w="med" len="med"/>
+          </a:ln>
+        </p:spPr>
+        <p:txBody>
+          <a:bodyPr vert="horz" wrap="none" lIns="91440" tIns="45720" rIns="91440" bIns="45720" numCol="1" anchor="ctr" anchorCtr="0" compatLnSpc="1"/>
+          <a:p>
+            <a:pPr marL="0" marR="0" indent="0" algn="l" defTabSz="914400" rtl="0" eaLnBrk="1" fontAlgn="base" latinLnBrk="0" hangingPunct="1">
+              <a:lnSpc>
+                <a:spcPct val="100000"/>
+              </a:lnSpc>
+              <a:spcBef>
+                <a:spcPct val="0"/>
+              </a:spcBef>
+              <a:spcAft>
+                <a:spcPct val="0"/>
+              </a:spcAft>
+              <a:buClrTx/>
+              <a:buSzTx/>
+              <a:buFontTx/>
+              <a:buNone/>
+            </a:pPr>
+            <a:endParaRPr kumimoji="0" lang="zh-CN" altLang="en-US" sz="1800" b="0" i="0" u="none" strike="noStrike" cap="none" normalizeH="0" baseline="0" smtClean="0">
+              <a:ln>
+                <a:noFill/>
+              </a:ln>
+              <a:solidFill>
+                <a:schemeClr val="tx1"/>
+              </a:solidFill>
+              <a:effectLst/>
+              <a:latin typeface="Arial" panose="020B0604020202020204" pitchFamily="34" charset="0"/>
+              <a:ea typeface="SimSun" panose="02010600030101010101" pitchFamily="2" charset="-122"/>
+            </a:endParaRPr>
+          </a:p>
+        </p:txBody>
+      </p:sp>
+      <p:pic>
+        <p:nvPicPr>
+          <p:cNvPr id="5" name="Picture 4"/>
+          <p:cNvPicPr>
+            <a:picLocks noChangeAspect="1"/>
+          </p:cNvPicPr>
+          <p:nvPr/>
+        </p:nvPicPr>
+        <p:blipFill>
+          <a:blip r:embed="rId2"/>
+          <a:stretch>
+            <a:fillRect/>
+          </a:stretch>
+        </p:blipFill>
+        <p:spPr>
+          <a:xfrm>
+            <a:off x="544195" y="4940935"/>
+            <a:ext cx="4622800" cy="1516380"/>
+          </a:xfrm>
+          <a:prstGeom prst="rect">
+            <a:avLst/>
+          </a:prstGeom>
+        </p:spPr>
+      </p:pic>
+      <p:pic>
+        <p:nvPicPr>
+          <p:cNvPr id="6" name="Picture 5"/>
+          <p:cNvPicPr>
+            <a:picLocks noChangeAspect="1"/>
+          </p:cNvPicPr>
+          <p:nvPr/>
+        </p:nvPicPr>
+        <p:blipFill>
+          <a:blip r:embed="rId3"/>
+          <a:stretch>
+            <a:fillRect/>
+          </a:stretch>
+        </p:blipFill>
+        <p:spPr>
+          <a:xfrm>
+            <a:off x="5923280" y="952500"/>
+            <a:ext cx="1752600" cy="1866900"/>
+          </a:xfrm>
+          <a:prstGeom prst="rect">
+            <a:avLst/>
+          </a:prstGeom>
+        </p:spPr>
+      </p:pic>
+      <p:pic>
+        <p:nvPicPr>
+          <p:cNvPr id="7" name="Picture 6"/>
+          <p:cNvPicPr>
+            <a:picLocks noChangeAspect="1"/>
+          </p:cNvPicPr>
+          <p:nvPr/>
+        </p:nvPicPr>
+        <p:blipFill>
+          <a:blip r:embed="rId4"/>
+          <a:stretch>
+            <a:fillRect/>
+          </a:stretch>
+        </p:blipFill>
+        <p:spPr>
+          <a:xfrm>
+            <a:off x="8657590" y="952500"/>
+            <a:ext cx="1743075" cy="514350"/>
+          </a:xfrm>
+          <a:prstGeom prst="rect">
+            <a:avLst/>
+          </a:prstGeom>
+        </p:spPr>
+      </p:pic>
+      <p:pic>
+        <p:nvPicPr>
+          <p:cNvPr id="8" name="Picture 7"/>
+          <p:cNvPicPr>
+            <a:picLocks noChangeAspect="1"/>
+          </p:cNvPicPr>
+          <p:nvPr/>
+        </p:nvPicPr>
+        <p:blipFill>
+          <a:blip r:embed="rId5"/>
+          <a:stretch>
+            <a:fillRect/>
+          </a:stretch>
+        </p:blipFill>
+        <p:spPr>
+          <a:xfrm>
+            <a:off x="8532495" y="1871345"/>
+            <a:ext cx="2181225" cy="1038225"/>
+          </a:xfrm>
+          <a:prstGeom prst="rect">
+            <a:avLst/>
+          </a:prstGeom>
+        </p:spPr>
+      </p:pic>
+      <p:graphicFrame>
+        <p:nvGraphicFramePr>
+          <p:cNvPr id="9" name="Table 8"/>
+          <p:cNvGraphicFramePr/>
+          <p:nvPr>
+            <p:custDataLst>
+              <p:tags r:id="rId6"/>
+            </p:custDataLst>
+          </p:nvPr>
+        </p:nvGraphicFramePr>
+        <p:xfrm>
+          <a:off x="5810250" y="3828415"/>
+          <a:ext cx="5303520" cy="2560320"/>
+        </p:xfrm>
+        <a:graphic>
+          <a:graphicData uri="http://schemas.openxmlformats.org/drawingml/2006/table">
+            <a:tbl>
+              <a:tblPr firstRow="1" bandRow="1">
+                <a:tableStyleId>{5C22544A-7EE6-4342-B048-85BDC9FD1C3A}</a:tableStyleId>
+              </a:tblPr>
+              <a:tblGrid>
+                <a:gridCol w="1767840"/>
+                <a:gridCol w="1767840"/>
+                <a:gridCol w="1767840"/>
+              </a:tblGrid>
+              <a:tr h="365760">
+                <a:tc>
+                  <a:txBody>
+                    <a:bodyPr/>
+                    <a:p>
+                      <a:pPr>
+                        <a:buNone/>
+                      </a:pPr>
+                      <a:r>
+                        <a:rPr lang="en-US" altLang="en-GB"/>
+                        <a:t>cell</a:t>
+                      </a:r>
+                      <a:endParaRPr lang="en-US" altLang="en-GB"/>
+                    </a:p>
+                  </a:txBody>
+                  <a:tcPr/>
+                </a:tc>
+                <a:tc>
+                  <a:txBody>
+                    <a:bodyPr/>
+                    <a:p>
+                      <a:pPr>
+                        <a:buNone/>
+                      </a:pPr>
+                      <a:r>
+                        <a:rPr lang="en-US" altLang="en-GB"/>
+                        <a:t>automatic</a:t>
+                      </a:r>
+                      <a:endParaRPr lang="en-US" altLang="en-GB"/>
+                    </a:p>
+                  </a:txBody>
+                  <a:tcPr/>
+                </a:tc>
+                <a:tc>
+                  <a:txBody>
+                    <a:bodyPr/>
+                    <a:p>
+                      <a:pPr>
+                        <a:buNone/>
+                      </a:pPr>
+                      <a:r>
+                        <a:rPr lang="en-US" altLang="en-GB"/>
+                        <a:t>manual</a:t>
+                      </a:r>
+                      <a:endParaRPr lang="en-US" altLang="en-GB"/>
+                    </a:p>
+                  </a:txBody>
+                  <a:tcPr/>
+                </a:tc>
+              </a:tr>
+              <a:tr h="365760">
+                <a:tc>
+                  <a:txBody>
+                    <a:bodyPr/>
+                    <a:p>
+                      <a:pPr>
+                        <a:buNone/>
+                      </a:pPr>
+                      <a:r>
+                        <a:rPr lang="en-US" altLang="en-GB" b="1"/>
+                        <a:t>2</a:t>
+                      </a:r>
+                      <a:endParaRPr lang="en-US" altLang="en-GB" b="1"/>
+                    </a:p>
+                  </a:txBody>
+                  <a:tcPr/>
+                </a:tc>
+                <a:tc>
+                  <a:txBody>
+                    <a:bodyPr/>
+                    <a:p>
+                      <a:pPr>
+                        <a:buNone/>
+                      </a:pPr>
+                      <a:r>
+                        <a:rPr lang="en-US" altLang="en-GB" b="1"/>
+                        <a:t>39</a:t>
+                      </a:r>
+                      <a:endParaRPr lang="en-US" altLang="en-GB" b="1"/>
+                    </a:p>
+                  </a:txBody>
+                  <a:tcPr/>
+                </a:tc>
+                <a:tc>
+                  <a:txBody>
+                    <a:bodyPr/>
+                    <a:p>
+                      <a:pPr>
+                        <a:buNone/>
+                      </a:pPr>
+                      <a:r>
+                        <a:rPr lang="en-US" altLang="en-GB" b="1"/>
+                        <a:t>NOT DATA</a:t>
+                      </a:r>
+                      <a:endParaRPr lang="en-US" altLang="en-GB" b="1"/>
+                    </a:p>
+                  </a:txBody>
+                  <a:tcPr/>
+                </a:tc>
+              </a:tr>
+              <a:tr h="365760">
+                <a:tc>
+                  <a:txBody>
+                    <a:bodyPr/>
+                    <a:p>
+                      <a:pPr>
+                        <a:buNone/>
+                      </a:pPr>
+                      <a:r>
+                        <a:rPr lang="en-US" altLang="en-GB">
+                          <a:solidFill>
+                            <a:srgbClr val="FF0000"/>
+                          </a:solidFill>
+                        </a:rPr>
+                        <a:t>28</a:t>
+                      </a:r>
+                      <a:endParaRPr lang="en-US" altLang="en-GB">
+                        <a:solidFill>
+                          <a:srgbClr val="FF0000"/>
+                        </a:solidFill>
+                      </a:endParaRPr>
+                    </a:p>
+                  </a:txBody>
+                  <a:tcPr/>
+                </a:tc>
+                <a:tc>
+                  <a:txBody>
+                    <a:bodyPr/>
+                    <a:p>
+                      <a:pPr>
+                        <a:buNone/>
+                      </a:pPr>
+                      <a:r>
+                        <a:rPr lang="en-US" altLang="en-GB">
+                          <a:solidFill>
+                            <a:srgbClr val="FF0000"/>
+                          </a:solidFill>
+                        </a:rPr>
+                        <a:t>23</a:t>
+                      </a:r>
+                      <a:endParaRPr lang="en-US" altLang="en-GB">
+                        <a:solidFill>
+                          <a:srgbClr val="FF0000"/>
+                        </a:solidFill>
+                      </a:endParaRPr>
+                    </a:p>
+                  </a:txBody>
+                  <a:tcPr/>
+                </a:tc>
+                <a:tc>
+                  <a:txBody>
+                    <a:bodyPr/>
+                    <a:p>
+                      <a:pPr>
+                        <a:buNone/>
+                      </a:pPr>
+                      <a:r>
+                        <a:rPr lang="en-US" altLang="en-GB">
+                          <a:solidFill>
+                            <a:srgbClr val="FF0000"/>
+                          </a:solidFill>
+                        </a:rPr>
+                        <a:t>30</a:t>
+                      </a:r>
+                      <a:endParaRPr lang="en-US" altLang="en-GB">
+                        <a:solidFill>
+                          <a:srgbClr val="FF0000"/>
+                        </a:solidFill>
+                      </a:endParaRPr>
+                    </a:p>
+                  </a:txBody>
+                  <a:tcPr/>
+                </a:tc>
+              </a:tr>
+              <a:tr h="365760">
+                <a:tc>
+                  <a:txBody>
+                    <a:bodyPr/>
+                    <a:p>
+                      <a:pPr>
+                        <a:buNone/>
+                      </a:pPr>
+                      <a:r>
+                        <a:rPr lang="en-US" altLang="en-GB">
+                          <a:solidFill>
+                            <a:srgbClr val="FF0000"/>
+                          </a:solidFill>
+                        </a:rPr>
+                        <a:t>45</a:t>
+                      </a:r>
+                      <a:endParaRPr lang="en-US" altLang="en-GB">
+                        <a:solidFill>
+                          <a:srgbClr val="FF0000"/>
+                        </a:solidFill>
+                      </a:endParaRPr>
+                    </a:p>
+                  </a:txBody>
+                  <a:tcPr/>
+                </a:tc>
+                <a:tc>
+                  <a:txBody>
+                    <a:bodyPr/>
+                    <a:p>
+                      <a:pPr>
+                        <a:buNone/>
+                      </a:pPr>
+                      <a:r>
+                        <a:rPr lang="en-US" altLang="en-GB">
+                          <a:solidFill>
+                            <a:srgbClr val="FF0000"/>
+                          </a:solidFill>
+                        </a:rPr>
+                        <a:t>32</a:t>
+                      </a:r>
+                      <a:endParaRPr lang="en-US" altLang="en-GB">
+                        <a:solidFill>
+                          <a:srgbClr val="FF0000"/>
+                        </a:solidFill>
+                      </a:endParaRPr>
+                    </a:p>
+                  </a:txBody>
+                  <a:tcPr/>
+                </a:tc>
+                <a:tc>
+                  <a:txBody>
+                    <a:bodyPr/>
+                    <a:p>
+                      <a:pPr>
+                        <a:buNone/>
+                      </a:pPr>
+                      <a:r>
+                        <a:rPr lang="en-US" altLang="en-GB">
+                          <a:solidFill>
+                            <a:srgbClr val="FF0000"/>
+                          </a:solidFill>
+                        </a:rPr>
+                        <a:t>15</a:t>
+                      </a:r>
+                      <a:endParaRPr lang="en-US" altLang="en-GB">
+                        <a:solidFill>
+                          <a:srgbClr val="FF0000"/>
+                        </a:solidFill>
+                      </a:endParaRPr>
+                    </a:p>
+                  </a:txBody>
+                  <a:tcPr/>
+                </a:tc>
+              </a:tr>
+              <a:tr h="365760">
+                <a:tc>
+                  <a:txBody>
+                    <a:bodyPr/>
+                    <a:p>
+                      <a:pPr>
+                        <a:buNone/>
+                      </a:pPr>
+                      <a:r>
+                        <a:rPr lang="en-US" altLang="en-GB">
+                          <a:solidFill>
+                            <a:srgbClr val="002060"/>
+                          </a:solidFill>
+                        </a:rPr>
+                        <a:t>85</a:t>
+                      </a:r>
+                      <a:endParaRPr lang="en-US" altLang="en-GB">
+                        <a:solidFill>
+                          <a:srgbClr val="002060"/>
+                        </a:solidFill>
+                      </a:endParaRPr>
+                    </a:p>
+                  </a:txBody>
+                  <a:tcPr/>
+                </a:tc>
+                <a:tc>
+                  <a:txBody>
+                    <a:bodyPr/>
+                    <a:p>
+                      <a:pPr>
+                        <a:buNone/>
+                      </a:pPr>
+                      <a:r>
+                        <a:rPr lang="en-US" altLang="en-GB">
+                          <a:solidFill>
+                            <a:srgbClr val="002060"/>
+                          </a:solidFill>
+                        </a:rPr>
+                        <a:t>10</a:t>
+                      </a:r>
+                      <a:endParaRPr lang="en-US" altLang="en-GB">
+                        <a:solidFill>
+                          <a:srgbClr val="002060"/>
+                        </a:solidFill>
+                      </a:endParaRPr>
+                    </a:p>
+                  </a:txBody>
+                  <a:tcPr/>
+                </a:tc>
+                <a:tc>
+                  <a:txBody>
+                    <a:bodyPr/>
+                    <a:p>
+                      <a:pPr>
+                        <a:buNone/>
+                      </a:pPr>
+                      <a:r>
+                        <a:rPr lang="en-US" altLang="en-GB">
+                          <a:solidFill>
+                            <a:srgbClr val="002060"/>
+                          </a:solidFill>
+                        </a:rPr>
+                        <a:t>12</a:t>
+                      </a:r>
+                      <a:endParaRPr lang="en-US" altLang="en-GB">
+                        <a:solidFill>
+                          <a:srgbClr val="002060"/>
+                        </a:solidFill>
+                      </a:endParaRPr>
+                    </a:p>
+                  </a:txBody>
+                  <a:tcPr/>
+                </a:tc>
+              </a:tr>
+              <a:tr h="365760">
+                <a:tc>
+                  <a:txBody>
+                    <a:bodyPr/>
+                    <a:p>
+                      <a:pPr>
+                        <a:buNone/>
+                      </a:pPr>
+                      <a:r>
+                        <a:rPr lang="en-US" altLang="en-GB">
+                          <a:solidFill>
+                            <a:srgbClr val="002060"/>
+                          </a:solidFill>
+                        </a:rPr>
+                        <a:t>95</a:t>
+                      </a:r>
+                      <a:endParaRPr lang="en-US" altLang="en-GB">
+                        <a:solidFill>
+                          <a:srgbClr val="002060"/>
+                        </a:solidFill>
+                      </a:endParaRPr>
+                    </a:p>
+                  </a:txBody>
+                  <a:tcPr/>
+                </a:tc>
+                <a:tc>
+                  <a:txBody>
+                    <a:bodyPr/>
+                    <a:p>
+                      <a:pPr>
+                        <a:buNone/>
+                      </a:pPr>
+                      <a:r>
+                        <a:rPr lang="en-US" altLang="en-GB">
+                          <a:solidFill>
+                            <a:srgbClr val="002060"/>
+                          </a:solidFill>
+                        </a:rPr>
+                        <a:t>22</a:t>
+                      </a:r>
+                      <a:endParaRPr lang="en-US" altLang="en-GB">
+                        <a:solidFill>
+                          <a:srgbClr val="002060"/>
+                        </a:solidFill>
+                      </a:endParaRPr>
+                    </a:p>
+                  </a:txBody>
+                  <a:tcPr/>
+                </a:tc>
+                <a:tc>
+                  <a:txBody>
+                    <a:bodyPr/>
+                    <a:p>
+                      <a:pPr>
+                        <a:buNone/>
+                      </a:pPr>
+                      <a:r>
+                        <a:rPr lang="en-US" altLang="en-GB">
+                          <a:solidFill>
+                            <a:srgbClr val="002060"/>
+                          </a:solidFill>
+                        </a:rPr>
+                        <a:t>20</a:t>
+                      </a:r>
+                      <a:endParaRPr lang="en-US" altLang="en-GB">
+                        <a:solidFill>
+                          <a:srgbClr val="002060"/>
+                        </a:solidFill>
+                      </a:endParaRPr>
+                    </a:p>
+                  </a:txBody>
+                  <a:tcPr/>
+                </a:tc>
+              </a:tr>
+              <a:tr h="365760">
+                <a:tc>
+                  <a:txBody>
+                    <a:bodyPr/>
+                    <a:p>
+                      <a:pPr>
+                        <a:buNone/>
+                      </a:pPr>
+                      <a:r>
+                        <a:rPr lang="en-US" altLang="en-GB">
+                          <a:solidFill>
+                            <a:srgbClr val="002060"/>
+                          </a:solidFill>
+                        </a:rPr>
+                        <a:t>96</a:t>
+                      </a:r>
+                      <a:endParaRPr lang="en-US" altLang="en-GB">
+                        <a:solidFill>
+                          <a:srgbClr val="002060"/>
+                        </a:solidFill>
+                      </a:endParaRPr>
+                    </a:p>
+                  </a:txBody>
+                  <a:tcPr/>
+                </a:tc>
+                <a:tc>
+                  <a:txBody>
+                    <a:bodyPr/>
+                    <a:p>
+                      <a:pPr>
+                        <a:buNone/>
+                      </a:pPr>
+                      <a:r>
+                        <a:rPr lang="en-US" altLang="en-GB">
+                          <a:solidFill>
+                            <a:srgbClr val="002060"/>
+                          </a:solidFill>
+                        </a:rPr>
+                        <a:t>24</a:t>
+                      </a:r>
+                      <a:endParaRPr lang="en-US" altLang="en-GB">
+                        <a:solidFill>
+                          <a:srgbClr val="002060"/>
+                        </a:solidFill>
+                      </a:endParaRPr>
+                    </a:p>
+                  </a:txBody>
+                  <a:tcPr/>
+                </a:tc>
+                <a:tc>
+                  <a:txBody>
+                    <a:bodyPr/>
+                    <a:p>
+                      <a:pPr>
+                        <a:buNone/>
+                      </a:pPr>
+                      <a:r>
+                        <a:rPr lang="en-US" altLang="en-GB">
+                          <a:solidFill>
+                            <a:srgbClr val="002060"/>
+                          </a:solidFill>
+                        </a:rPr>
+                        <a:t>25</a:t>
+                      </a:r>
+                      <a:endParaRPr lang="en-US" altLang="en-GB">
+                        <a:solidFill>
+                          <a:srgbClr val="002060"/>
+                        </a:solidFill>
+                      </a:endParaRPr>
+                    </a:p>
+                  </a:txBody>
+                  <a:tcPr/>
+                </a:tc>
+              </a:tr>
+            </a:tbl>
+          </a:graphicData>
+        </a:graphic>
+      </p:graphicFrame>
     </p:spTree>
   </p:cSld>
   <p:clrMapOvr>
@@ -4831,7 +6243,7 @@
 </p:sld>
 </file>
 
-<file path=ppt/slides/slide22.xml><?xml version="1.0" encoding="utf-8"?>
+<file path=ppt/slides/slide2.xml><?xml version="1.0" encoding="utf-8"?>
 <p:sld xmlns:a="http://schemas.openxmlformats.org/drawingml/2006/main" xmlns:r="http://schemas.openxmlformats.org/officeDocument/2006/relationships" xmlns:p="http://schemas.openxmlformats.org/presentationml/2006/main">
   <p:cSld>
     <p:spTree>
@@ -4840,57 +6252,166 @@
         <p:cNvGrpSpPr/>
         <p:nvPr/>
       </p:nvGrpSpPr>
-      <p:grpSpPr>
-        <a:xfrm>
-          <a:off x="0" y="0"/>
-          <a:ext cx="0" cy="0"/>
-          <a:chOff x="0" y="0"/>
-          <a:chExt cx="0" cy="0"/>
-        </a:xfrm>
-      </p:grpSpPr>
-      <p:sp>
-        <p:nvSpPr>
-          <p:cNvPr id="2" name="Título 1"/>
-          <p:cNvSpPr>
-            <a:spLocks noGrp="1"/>
-          </p:cNvSpPr>
-          <p:nvPr>
-            <p:ph type="title"/>
-          </p:nvPr>
+      <p:grpSpPr/>
+      <p:sp>
+        <p:nvSpPr>
+          <p:cNvPr id="2" name="TextBox 1"/>
+          <p:cNvSpPr txBox="1"/>
+          <p:nvPr/>
         </p:nvSpPr>
         <p:spPr>
           <a:xfrm>
-            <a:off x="609600" y="57150"/>
-            <a:ext cx="10972800" cy="445135"/>
+            <a:off x="457200" y="274320"/>
+            <a:ext cx="8000365" cy="697865"/>
           </a:xfrm>
+          <a:prstGeom prst="rect">
+            <a:avLst/>
+          </a:prstGeom>
+          <a:noFill/>
         </p:spPr>
         <p:txBody>
-          <a:bodyPr lIns="91440" tIns="45720" rIns="91440" bIns="45720" anchor="ctr" anchorCtr="0"/>
+          <a:bodyPr wrap="none">
+            <a:noAutofit/>
+          </a:bodyPr>
           <a:lstStyle/>
           <a:p>
-            <a:br>
-              <a:rPr lang="en-US" altLang="en-GB" sz="2400" b="1" dirty="0">
+            <a:pPr algn="l"/>
+            <a:r>
+              <a:rPr lang="en-US" altLang="en-GB" sz="3200" b="1">
                 <a:solidFill>
                   <a:srgbClr val="FF0000"/>
                 </a:solidFill>
-                <a:cs typeface="Arial" panose="020B0604020202020204"/>
+                <a:effectLst>
+                  <a:outerShdw blurRad="38100" dist="38100" dir="2700000" algn="tl">
+                    <a:srgbClr val="000000">
+                      <a:alpha val="43137"/>
+                    </a:srgbClr>
+                  </a:outerShdw>
+                </a:effectLst>
               </a:rPr>
-            </a:br>
-            <a:r>
-              <a:rPr lang="en-US" altLang="en-GB" sz="2400" b="1" dirty="0">
-                <a:solidFill>
-                  <a:srgbClr val="FF0000"/>
-                </a:solidFill>
-                <a:cs typeface="Arial" panose="020B0604020202020204"/>
-              </a:rPr>
-              <a:t>40A_UAS-TMEM192-3xHA x 40A 71G10 MARCM_around 12h - for quantification_3 Airy-CBs_300425</a:t>
-            </a:r>
-            <a:endParaRPr lang="en-US" altLang="en-GB" sz="2400" b="1" dirty="0">
+              <a:t>PROBLEMS LAST MEETING</a:t>
+            </a:r>
+            <a:endParaRPr lang="en-US" altLang="en-GB" sz="3200" b="1">
               <a:solidFill>
                 <a:srgbClr val="FF0000"/>
               </a:solidFill>
-              <a:cs typeface="Arial" panose="020B0604020202020204"/>
+              <a:effectLst>
+                <a:outerShdw blurRad="38100" dist="38100" dir="2700000" algn="tl">
+                  <a:srgbClr val="000000">
+                    <a:alpha val="43137"/>
+                  </a:srgbClr>
+                </a:outerShdw>
+              </a:effectLst>
             </a:endParaRPr>
+          </a:p>
+        </p:txBody>
+      </p:sp>
+      <p:sp>
+        <p:nvSpPr>
+          <p:cNvPr id="3" name="TextBox 2"/>
+          <p:cNvSpPr txBox="1"/>
+          <p:nvPr/>
+        </p:nvSpPr>
+        <p:spPr>
+          <a:xfrm>
+            <a:off x="731520" y="1371600"/>
+            <a:ext cx="309880" cy="1106805"/>
+          </a:xfrm>
+          <a:prstGeom prst="rect">
+            <a:avLst/>
+          </a:prstGeom>
+          <a:noFill/>
+        </p:spPr>
+        <p:txBody>
+          <a:bodyPr wrap="none">
+            <a:spAutoFit/>
+          </a:bodyPr>
+          <a:lstStyle/>
+          <a:p/>
+          <a:p>
+            <a:pPr>
+              <a:defRPr sz="2800">
+                <a:solidFill>
+                  <a:srgbClr val="323232"/>
+                </a:solidFill>
+              </a:defRPr>
+            </a:pPr>
+            <a:endParaRPr lang="en-US" sz="4800"/>
+          </a:p>
+        </p:txBody>
+      </p:sp>
+      <p:sp>
+        <p:nvSpPr>
+          <p:cNvPr id="4" name="Text Box 3"/>
+          <p:cNvSpPr txBox="1"/>
+          <p:nvPr/>
+        </p:nvSpPr>
+        <p:spPr>
+          <a:xfrm>
+            <a:off x="635635" y="834390"/>
+            <a:ext cx="11173460" cy="5785485"/>
+          </a:xfrm>
+          <a:prstGeom prst="rect">
+            <a:avLst/>
+          </a:prstGeom>
+          <a:noFill/>
+        </p:spPr>
+        <p:txBody>
+          <a:bodyPr wrap="square" rtlCol="0">
+            <a:spAutoFit/>
+          </a:bodyPr>
+          <a:p>
+            <a:pPr marL="285750" indent="-285750">
+              <a:buFont typeface="Arial" panose="020B0604020202020204" pitchFamily="34" charset="0"/>
+              <a:buChar char="•"/>
+            </a:pPr>
+            <a:r>
+              <a:rPr lang="en-US" altLang="en-GB" sz="4400"/>
+              <a:t>Incorrect scale values.</a:t>
+            </a:r>
+            <a:endParaRPr lang="en-US" altLang="en-GB" sz="4400"/>
+          </a:p>
+          <a:p>
+            <a:pPr marL="285750" indent="-285750">
+              <a:buFont typeface="Arial" panose="020B0604020202020204" pitchFamily="34" charset="0"/>
+              <a:buChar char="•"/>
+            </a:pPr>
+            <a:r>
+              <a:rPr lang="en-US" altLang="en-GB" sz="4400">
+                <a:sym typeface="+mn-ea"/>
+              </a:rPr>
+              <a:t>Not very good synchronization between the videos.</a:t>
+            </a:r>
+            <a:endParaRPr lang="en-US" altLang="en-GB" sz="4400"/>
+          </a:p>
+          <a:p>
+            <a:pPr marL="285750" indent="-285750">
+              <a:buFont typeface="Arial" panose="020B0604020202020204" pitchFamily="34" charset="0"/>
+              <a:buChar char="•"/>
+            </a:pPr>
+            <a:r>
+              <a:rPr lang="en-US" altLang="en-GB" sz="4400"/>
+              <a:t>Inaccurate radius estimation.</a:t>
+            </a:r>
+            <a:endParaRPr lang="en-US" altLang="en-GB" sz="4400"/>
+          </a:p>
+          <a:p>
+            <a:pPr marL="285750" indent="-285750">
+              <a:buFont typeface="Arial" panose="020B0604020202020204" pitchFamily="34" charset="0"/>
+              <a:buChar char="•"/>
+            </a:pPr>
+            <a:r>
+              <a:rPr lang="en-US" altLang="en-GB" sz="4400"/>
+              <a:t>Lysosomes located near organelle borders are being classified as outside the cell, even though they should be counted as inside.</a:t>
+            </a:r>
+            <a:endParaRPr lang="en-US" altLang="en-GB" sz="4400"/>
+          </a:p>
+          <a:p>
+            <a:pPr marL="285750" indent="-285750">
+              <a:buFont typeface="Arial" panose="020B0604020202020204" pitchFamily="34" charset="0"/>
+              <a:buChar char="•"/>
+            </a:pPr>
+            <a:endParaRPr lang="en-US" altLang="en-GB"/>
           </a:p>
         </p:txBody>
       </p:sp>
@@ -4899,527 +6420,6 @@
   <p:clrMapOvr>
     <a:masterClrMapping/>
   </p:clrMapOvr>
-  <p:timing>
-    <p:tnLst>
-      <p:par>
-        <p:cTn id="1" dur="indefinite" restart="never" nodeType="tmRoot"/>
-      </p:par>
-    </p:tnLst>
-  </p:timing>
-</p:sld>
-</file>
-
-<file path=ppt/slides/slide23.xml><?xml version="1.0" encoding="utf-8"?>
-<p:sld xmlns:a="http://schemas.openxmlformats.org/drawingml/2006/main" xmlns:r="http://schemas.openxmlformats.org/officeDocument/2006/relationships" xmlns:p="http://schemas.openxmlformats.org/presentationml/2006/main">
-  <p:cSld>
-    <p:spTree>
-      <p:nvGrpSpPr>
-        <p:cNvPr id="1" name=""/>
-        <p:cNvGrpSpPr/>
-        <p:nvPr/>
-      </p:nvGrpSpPr>
-      <p:grpSpPr>
-        <a:xfrm>
-          <a:off x="0" y="0"/>
-          <a:ext cx="0" cy="0"/>
-          <a:chOff x="0" y="0"/>
-          <a:chExt cx="0" cy="0"/>
-        </a:xfrm>
-      </p:grpSpPr>
-      <p:sp>
-        <p:nvSpPr>
-          <p:cNvPr id="2" name="Título 1"/>
-          <p:cNvSpPr>
-            <a:spLocks noGrp="1"/>
-          </p:cNvSpPr>
-          <p:nvPr>
-            <p:ph type="title"/>
-          </p:nvPr>
-        </p:nvSpPr>
-        <p:spPr>
-          <a:xfrm>
-            <a:off x="609600" y="57150"/>
-            <a:ext cx="10972800" cy="445135"/>
-          </a:xfrm>
-        </p:spPr>
-        <p:txBody>
-          <a:bodyPr lIns="91440" tIns="45720" rIns="91440" bIns="45720" anchor="ctr" anchorCtr="0"/>
-          <a:lstStyle/>
-          <a:p>
-            <a:br>
-              <a:rPr lang="en-US" altLang="en-GB" sz="2400" b="1" dirty="0">
-                <a:solidFill>
-                  <a:srgbClr val="FF0000"/>
-                </a:solidFill>
-                <a:cs typeface="Arial" panose="020B0604020202020204"/>
-              </a:rPr>
-            </a:br>
-            <a:r>
-              <a:rPr lang="en-US" altLang="en-GB" sz="2400" b="1" dirty="0">
-                <a:solidFill>
-                  <a:srgbClr val="FF0000"/>
-                </a:solidFill>
-                <a:cs typeface="Arial" panose="020B0604020202020204"/>
-              </a:rPr>
-              <a:t>40A_UAS-TMEM192-3xHA x 40A 71G10 MARCM_around 12h - for quantification_3 Airy-CBs_300425</a:t>
-            </a:r>
-            <a:endParaRPr lang="en-US" altLang="en-GB" sz="2400" b="1" dirty="0">
-              <a:solidFill>
-                <a:srgbClr val="FF0000"/>
-              </a:solidFill>
-              <a:cs typeface="Arial" panose="020B0604020202020204"/>
-            </a:endParaRPr>
-          </a:p>
-        </p:txBody>
-      </p:sp>
-    </p:spTree>
-  </p:cSld>
-  <p:clrMapOvr>
-    <a:masterClrMapping/>
-  </p:clrMapOvr>
-  <p:timing>
-    <p:tnLst>
-      <p:par>
-        <p:cTn id="1" dur="indefinite" restart="never" nodeType="tmRoot"/>
-      </p:par>
-    </p:tnLst>
-  </p:timing>
-</p:sld>
-</file>
-
-<file path=ppt/slides/slide24.xml><?xml version="1.0" encoding="utf-8"?>
-<p:sld xmlns:a="http://schemas.openxmlformats.org/drawingml/2006/main" xmlns:r="http://schemas.openxmlformats.org/officeDocument/2006/relationships" xmlns:p="http://schemas.openxmlformats.org/presentationml/2006/main">
-  <p:cSld>
-    <p:spTree>
-      <p:nvGrpSpPr>
-        <p:cNvPr id="1" name=""/>
-        <p:cNvGrpSpPr/>
-        <p:nvPr/>
-      </p:nvGrpSpPr>
-      <p:grpSpPr>
-        <a:xfrm>
-          <a:off x="0" y="0"/>
-          <a:ext cx="0" cy="0"/>
-          <a:chOff x="0" y="0"/>
-          <a:chExt cx="0" cy="0"/>
-        </a:xfrm>
-      </p:grpSpPr>
-      <p:sp>
-        <p:nvSpPr>
-          <p:cNvPr id="2" name="Título 1"/>
-          <p:cNvSpPr>
-            <a:spLocks noGrp="1"/>
-          </p:cNvSpPr>
-          <p:nvPr>
-            <p:ph type="title"/>
-          </p:nvPr>
-        </p:nvSpPr>
-        <p:spPr>
-          <a:xfrm>
-            <a:off x="609600" y="190500"/>
-            <a:ext cx="10972800" cy="762000"/>
-          </a:xfrm>
-        </p:spPr>
-        <p:txBody>
-          <a:bodyPr lIns="91440" tIns="45720" rIns="91440" bIns="45720" anchor="ctr" anchorCtr="0"/>
-          <a:lstStyle/>
-          <a:p>
-            <a:r>
-              <a:rPr lang="en-US" altLang="en-GB" sz="2400" b="1" dirty="0">
-                <a:solidFill>
-                  <a:srgbClr val="FF0000"/>
-                </a:solidFill>
-                <a:cs typeface="Arial" panose="020B0604020202020204"/>
-              </a:rPr>
-              <a:t>40A_UAS-TMEM1923x-HA x 71G10 40A MARCM_L3_2_Airy_010724</a:t>
-            </a:r>
-            <a:endParaRPr lang="en-US" altLang="en-GB" b="1" dirty="0">
-              <a:solidFill>
-                <a:srgbClr val="FF0000"/>
-              </a:solidFill>
-              <a:cs typeface="Arial" panose="020B0604020202020204"/>
-            </a:endParaRPr>
-          </a:p>
-        </p:txBody>
-      </p:sp>
-    </p:spTree>
-  </p:cSld>
-  <p:clrMapOvr>
-    <a:masterClrMapping/>
-  </p:clrMapOvr>
-  <p:timing>
-    <p:tnLst>
-      <p:par>
-        <p:cTn id="1" dur="indefinite" restart="never" nodeType="tmRoot"/>
-      </p:par>
-    </p:tnLst>
-  </p:timing>
-</p:sld>
-</file>
-
-<file path=ppt/slides/slide25.xml><?xml version="1.0" encoding="utf-8"?>
-<p:sld xmlns:a="http://schemas.openxmlformats.org/drawingml/2006/main" xmlns:r="http://schemas.openxmlformats.org/officeDocument/2006/relationships" xmlns:p="http://schemas.openxmlformats.org/presentationml/2006/main">
-  <p:cSld>
-    <p:spTree>
-      <p:nvGrpSpPr>
-        <p:cNvPr id="1" name=""/>
-        <p:cNvGrpSpPr/>
-        <p:nvPr/>
-      </p:nvGrpSpPr>
-      <p:grpSpPr>
-        <a:xfrm>
-          <a:off x="0" y="0"/>
-          <a:ext cx="0" cy="0"/>
-          <a:chOff x="0" y="0"/>
-          <a:chExt cx="0" cy="0"/>
-        </a:xfrm>
-      </p:grpSpPr>
-      <p:sp>
-        <p:nvSpPr>
-          <p:cNvPr id="9" name="Título 1"/>
-          <p:cNvSpPr>
-            <a:spLocks noGrp="1"/>
-          </p:cNvSpPr>
-          <p:nvPr>
-            <p:ph type="title"/>
-          </p:nvPr>
-        </p:nvSpPr>
-        <p:spPr>
-          <a:xfrm>
-            <a:off x="609600" y="190500"/>
-            <a:ext cx="10972800" cy="762000"/>
-          </a:xfrm>
-        </p:spPr>
-        <p:txBody>
-          <a:bodyPr lIns="91440" tIns="45720" rIns="91440" bIns="45720" anchor="ctr" anchorCtr="0"/>
-          <a:lstStyle/>
-          <a:p>
-            <a:r>
-              <a:rPr lang="en-US" altLang="en-GB" sz="2400" b="1" dirty="0">
-                <a:solidFill>
-                  <a:srgbClr val="FF0000"/>
-                </a:solidFill>
-                <a:cs typeface="Arial" panose="020B0604020202020204"/>
-              </a:rPr>
-              <a:t>40A_UAS-TMEM1923x-HA x 71G10 40A MARCM_L3_2_Airy_010724</a:t>
-            </a:r>
-            <a:endParaRPr lang="en-US" altLang="en-GB" b="1" dirty="0">
-              <a:solidFill>
-                <a:srgbClr val="FF0000"/>
-              </a:solidFill>
-              <a:cs typeface="Arial" panose="020B0604020202020204"/>
-            </a:endParaRPr>
-          </a:p>
-        </p:txBody>
-      </p:sp>
-    </p:spTree>
-  </p:cSld>
-  <p:clrMapOvr>
-    <a:masterClrMapping/>
-  </p:clrMapOvr>
-  <p:timing>
-    <p:tnLst>
-      <p:par>
-        <p:cTn id="1" dur="indefinite" restart="never" nodeType="tmRoot"/>
-      </p:par>
-    </p:tnLst>
-  </p:timing>
-</p:sld>
-</file>
-
-<file path=ppt/slides/slide26.xml><?xml version="1.0" encoding="utf-8"?>
-<p:sld xmlns:a="http://schemas.openxmlformats.org/drawingml/2006/main" xmlns:r="http://schemas.openxmlformats.org/officeDocument/2006/relationships" xmlns:p="http://schemas.openxmlformats.org/presentationml/2006/main">
-  <p:cSld>
-    <p:spTree>
-      <p:nvGrpSpPr>
-        <p:cNvPr id="1" name=""/>
-        <p:cNvGrpSpPr/>
-        <p:nvPr/>
-      </p:nvGrpSpPr>
-      <p:grpSpPr>
-        <a:xfrm>
-          <a:off x="0" y="0"/>
-          <a:ext cx="0" cy="0"/>
-          <a:chOff x="0" y="0"/>
-          <a:chExt cx="0" cy="0"/>
-        </a:xfrm>
-      </p:grpSpPr>
-      <p:sp>
-        <p:nvSpPr>
-          <p:cNvPr id="2" name="Título 1"/>
-          <p:cNvSpPr>
-            <a:spLocks noGrp="1"/>
-          </p:cNvSpPr>
-          <p:nvPr>
-            <p:ph type="title"/>
-          </p:nvPr>
-        </p:nvSpPr>
-        <p:spPr>
-          <a:xfrm>
-            <a:off x="609600" y="190500"/>
-            <a:ext cx="10972800" cy="762000"/>
-          </a:xfrm>
-        </p:spPr>
-        <p:txBody>
-          <a:bodyPr lIns="91440" tIns="45720" rIns="91440" bIns="45720" anchor="ctr" anchorCtr="0"/>
-          <a:lstStyle/>
-          <a:p>
-            <a:r>
-              <a:rPr lang="en-US" altLang="en-GB" sz="2400" b="1" dirty="0">
-                <a:solidFill>
-                  <a:srgbClr val="FF0000"/>
-                </a:solidFill>
-                <a:cs typeface="Arial" panose="020B0604020202020204"/>
-              </a:rPr>
-              <a:t>40A_UAS-TMEM1923x-HA x 71G10 40A MARCM_L3_2_Airy_010724</a:t>
-            </a:r>
-            <a:endParaRPr lang="en-US" altLang="en-GB" b="1" dirty="0">
-              <a:solidFill>
-                <a:srgbClr val="FF0000"/>
-              </a:solidFill>
-              <a:cs typeface="Arial" panose="020B0604020202020204"/>
-            </a:endParaRPr>
-          </a:p>
-        </p:txBody>
-      </p:sp>
-    </p:spTree>
-  </p:cSld>
-  <p:clrMapOvr>
-    <a:masterClrMapping/>
-  </p:clrMapOvr>
-  <p:timing>
-    <p:tnLst>
-      <p:par>
-        <p:cTn id="1" dur="indefinite" restart="never" nodeType="tmRoot"/>
-      </p:par>
-    </p:tnLst>
-  </p:timing>
-</p:sld>
-</file>
-
-<file path=ppt/slides/slide27.xml><?xml version="1.0" encoding="utf-8"?>
-<p:sld xmlns:a="http://schemas.openxmlformats.org/drawingml/2006/main" xmlns:r="http://schemas.openxmlformats.org/officeDocument/2006/relationships" xmlns:p="http://schemas.openxmlformats.org/presentationml/2006/main">
-  <p:cSld>
-    <p:spTree>
-      <p:nvGrpSpPr>
-        <p:cNvPr id="1" name=""/>
-        <p:cNvGrpSpPr/>
-        <p:nvPr/>
-      </p:nvGrpSpPr>
-      <p:grpSpPr>
-        <a:xfrm>
-          <a:off x="0" y="0"/>
-          <a:ext cx="0" cy="0"/>
-          <a:chOff x="0" y="0"/>
-          <a:chExt cx="0" cy="0"/>
-        </a:xfrm>
-      </p:grpSpPr>
-      <p:sp>
-        <p:nvSpPr>
-          <p:cNvPr id="2" name="Título 1"/>
-          <p:cNvSpPr>
-            <a:spLocks noGrp="1"/>
-          </p:cNvSpPr>
-          <p:nvPr>
-            <p:ph type="title"/>
-          </p:nvPr>
-        </p:nvSpPr>
-        <p:spPr>
-          <a:xfrm>
-            <a:off x="609600" y="551180"/>
-            <a:ext cx="10972800" cy="762000"/>
-          </a:xfrm>
-        </p:spPr>
-        <p:txBody>
-          <a:bodyPr lIns="91440" tIns="45720" rIns="91440" bIns="45720" anchor="ctr" anchorCtr="0"/>
-          <a:lstStyle/>
-          <a:p>
-            <a:r>
-              <a:rPr lang="en-US" altLang="en-GB" sz="2400" b="1" dirty="0">
-                <a:solidFill>
-                  <a:srgbClr val="FF0000"/>
-                </a:solidFill>
-                <a:cs typeface="Arial" panose="020B0604020202020204"/>
-              </a:rPr>
-              <a:t>40A_UAS-TMEM1923x-HA x 71G10 40A MARCM_L3_1_Airy_010724</a:t>
-            </a:r>
-            <a:br>
-              <a:rPr lang="en-US" altLang="en-GB" b="1" dirty="0">
-                <a:solidFill>
-                  <a:srgbClr val="FF0000"/>
-                </a:solidFill>
-                <a:cs typeface="Arial" panose="020B0604020202020204"/>
-              </a:rPr>
-            </a:br>
-            <a:endParaRPr lang="en-US" altLang="en-GB" b="1" dirty="0">
-              <a:solidFill>
-                <a:srgbClr val="FF0000"/>
-              </a:solidFill>
-              <a:cs typeface="Arial" panose="020B0604020202020204"/>
-            </a:endParaRPr>
-          </a:p>
-        </p:txBody>
-      </p:sp>
-    </p:spTree>
-  </p:cSld>
-  <p:clrMapOvr>
-    <a:masterClrMapping/>
-  </p:clrMapOvr>
-  <p:timing>
-    <p:tnLst>
-      <p:par>
-        <p:cTn id="1" dur="indefinite" restart="never" nodeType="tmRoot"/>
-      </p:par>
-    </p:tnLst>
-  </p:timing>
-</p:sld>
-</file>
-
-<file path=ppt/slides/slide28.xml><?xml version="1.0" encoding="utf-8"?>
-<p:sld xmlns:a="http://schemas.openxmlformats.org/drawingml/2006/main" xmlns:r="http://schemas.openxmlformats.org/officeDocument/2006/relationships" xmlns:p="http://schemas.openxmlformats.org/presentationml/2006/main">
-  <p:cSld>
-    <p:spTree>
-      <p:nvGrpSpPr>
-        <p:cNvPr id="1" name=""/>
-        <p:cNvGrpSpPr/>
-        <p:nvPr/>
-      </p:nvGrpSpPr>
-      <p:grpSpPr>
-        <a:xfrm>
-          <a:off x="0" y="0"/>
-          <a:ext cx="0" cy="0"/>
-          <a:chOff x="0" y="0"/>
-          <a:chExt cx="0" cy="0"/>
-        </a:xfrm>
-      </p:grpSpPr>
-      <p:sp>
-        <p:nvSpPr>
-          <p:cNvPr id="2" name="Título 1"/>
-          <p:cNvSpPr>
-            <a:spLocks noGrp="1"/>
-          </p:cNvSpPr>
-          <p:nvPr>
-            <p:ph type="title"/>
-          </p:nvPr>
-        </p:nvSpPr>
-        <p:spPr>
-          <a:xfrm>
-            <a:off x="609600" y="551180"/>
-            <a:ext cx="10972800" cy="762000"/>
-          </a:xfrm>
-        </p:spPr>
-        <p:txBody>
-          <a:bodyPr lIns="91440" tIns="45720" rIns="91440" bIns="45720" anchor="ctr" anchorCtr="0"/>
-          <a:lstStyle/>
-          <a:p>
-            <a:r>
-              <a:rPr lang="en-US" altLang="en-GB" sz="2400" b="1" dirty="0">
-                <a:solidFill>
-                  <a:srgbClr val="FF0000"/>
-                </a:solidFill>
-                <a:cs typeface="Arial" panose="020B0604020202020204"/>
-              </a:rPr>
-              <a:t>40A_UAS-TMEM1923x-HA x 71G10 40A MARCM_L3_1_Airy_010724</a:t>
-            </a:r>
-            <a:br>
-              <a:rPr lang="en-US" altLang="en-GB" b="1" dirty="0">
-                <a:solidFill>
-                  <a:srgbClr val="FF0000"/>
-                </a:solidFill>
-                <a:cs typeface="Arial" panose="020B0604020202020204"/>
-              </a:rPr>
-            </a:br>
-            <a:endParaRPr lang="en-US" altLang="en-GB" b="1" dirty="0">
-              <a:solidFill>
-                <a:srgbClr val="FF0000"/>
-              </a:solidFill>
-              <a:cs typeface="Arial" panose="020B0604020202020204"/>
-            </a:endParaRPr>
-          </a:p>
-        </p:txBody>
-      </p:sp>
-    </p:spTree>
-  </p:cSld>
-  <p:clrMapOvr>
-    <a:masterClrMapping/>
-  </p:clrMapOvr>
-  <p:timing>
-    <p:tnLst>
-      <p:par>
-        <p:cTn id="1" dur="indefinite" restart="never" nodeType="tmRoot"/>
-      </p:par>
-    </p:tnLst>
-  </p:timing>
-</p:sld>
-</file>
-
-<file path=ppt/slides/slide29.xml><?xml version="1.0" encoding="utf-8"?>
-<p:sld xmlns:a="http://schemas.openxmlformats.org/drawingml/2006/main" xmlns:r="http://schemas.openxmlformats.org/officeDocument/2006/relationships" xmlns:p="http://schemas.openxmlformats.org/presentationml/2006/main">
-  <p:cSld>
-    <p:spTree>
-      <p:nvGrpSpPr>
-        <p:cNvPr id="1" name=""/>
-        <p:cNvGrpSpPr/>
-        <p:nvPr/>
-      </p:nvGrpSpPr>
-      <p:grpSpPr>
-        <a:xfrm>
-          <a:off x="0" y="0"/>
-          <a:ext cx="0" cy="0"/>
-          <a:chOff x="0" y="0"/>
-          <a:chExt cx="0" cy="0"/>
-        </a:xfrm>
-      </p:grpSpPr>
-      <p:sp>
-        <p:nvSpPr>
-          <p:cNvPr id="2" name="Título 1"/>
-          <p:cNvSpPr>
-            <a:spLocks noGrp="1"/>
-          </p:cNvSpPr>
-          <p:nvPr>
-            <p:ph type="title"/>
-          </p:nvPr>
-        </p:nvSpPr>
-        <p:spPr>
-          <a:xfrm>
-            <a:off x="609600" y="130175"/>
-            <a:ext cx="10972800" cy="762000"/>
-          </a:xfrm>
-        </p:spPr>
-        <p:txBody>
-          <a:bodyPr lIns="91440" tIns="45720" rIns="91440" bIns="45720" anchor="ctr" anchorCtr="0"/>
-          <a:lstStyle/>
-          <a:p>
-            <a:r>
-              <a:rPr lang="en-US" altLang="en-GB" sz="2400" b="1" dirty="0">
-                <a:solidFill>
-                  <a:srgbClr val="FF0000"/>
-                </a:solidFill>
-                <a:cs typeface="Arial" panose="020B0604020202020204"/>
-              </a:rPr>
-              <a:t>40A_UAS-TMEM1923x-HA x 71G10 40A MARCM_L3_1_Airy_010724</a:t>
-            </a:r>
-            <a:endParaRPr lang="en-US" altLang="en-GB" b="1" dirty="0">
-              <a:solidFill>
-                <a:srgbClr val="FF0000"/>
-              </a:solidFill>
-              <a:cs typeface="Arial" panose="020B0604020202020204"/>
-            </a:endParaRPr>
-          </a:p>
-        </p:txBody>
-      </p:sp>
-    </p:spTree>
-  </p:cSld>
-  <p:clrMapOvr>
-    <a:masterClrMapping/>
-  </p:clrMapOvr>
-  <p:timing>
-    <p:tnLst>
-      <p:par>
-        <p:cTn id="1" dur="indefinite" restart="never" nodeType="tmRoot"/>
-      </p:par>
-    </p:tnLst>
-  </p:timing>
 </p:sld>
 </file>
 
@@ -5529,7 +6529,7 @@
         <p:spPr>
           <a:xfrm>
             <a:off x="635635" y="834390"/>
-            <a:ext cx="11173460" cy="5939155"/>
+            <a:ext cx="11173460" cy="6247130"/>
           </a:xfrm>
           <a:prstGeom prst="rect">
             <a:avLst/>
@@ -5560,6 +6560,14 @@
               <a:buFont typeface="Arial" panose="020B0604020202020204" pitchFamily="34" charset="0"/>
               <a:buChar char="•"/>
             </a:pPr>
+            <a:r>
+              <a:rPr lang="en-US" altLang="en-GB" sz="2000" b="1"/>
+              <a:t>Video synchronization:</a:t>
+            </a:r>
+            <a:r>
+              <a:rPr lang="en-US" altLang="en-GB" sz="2000"/>
+              <a:t> I managed to establish the same frame rate (fps) in both videos and improve synchronization, as well as ensure that lysosome detection is visible in all cuts so as not to lose tracking.</a:t>
+            </a:r>
             <a:endParaRPr lang="en-US" altLang="en-GB" sz="2000"/>
           </a:p>
           <a:p>
@@ -5583,13 +6591,6 @@
               <a:rPr lang="en-US" altLang="en-GB" sz="2000"/>
               <a:t>. This method re-estimates each lysosome’s radius from the coarse blob_log detections, providing a more geometric and boundary-aware measurement of the true lysosomal size and using better local and generic adaptive threshold for each lysosome.</a:t>
             </a:r>
-            <a:endParaRPr lang="en-US" altLang="en-GB" sz="2000"/>
-          </a:p>
-          <a:p>
-            <a:pPr marL="342900" indent="-342900">
-              <a:buFont typeface="Arial" panose="020B0604020202020204" pitchFamily="34" charset="0"/>
-              <a:buChar char="•"/>
-            </a:pPr>
             <a:endParaRPr lang="en-US" altLang="en-GB" sz="2000"/>
           </a:p>
           <a:p>
@@ -5715,7 +6716,7 @@
                   </a:outerShdw>
                 </a:effectLst>
               </a:rPr>
-              <a:t>Next steps</a:t>
+              <a:t>AUTOMATIZATION</a:t>
             </a:r>
             <a:endParaRPr lang="en-US" altLang="en-GB" sz="3200" b="1">
               <a:solidFill>
@@ -5775,7 +6776,7 @@
         <p:spPr>
           <a:xfrm>
             <a:off x="635635" y="834390"/>
-            <a:ext cx="11173460" cy="5246370"/>
+            <a:ext cx="11173460" cy="5939155"/>
           </a:xfrm>
           <a:prstGeom prst="rect">
             <a:avLst/>
@@ -5787,182 +6788,260 @@
             <a:spAutoFit/>
           </a:bodyPr>
           <a:p>
+            <a:pPr marL="342900" indent="-342900">
+              <a:buFont typeface="Arial" panose="020B0604020202020204" pitchFamily="34" charset="0"/>
+              <a:buChar char="•"/>
+            </a:pPr>
+            <a:endParaRPr lang="en-US" altLang="en-GB" sz="2000"/>
+          </a:p>
+          <a:p>
+            <a:pPr marL="342900" indent="-342900">
+              <a:buFont typeface="Arial" panose="020B0604020202020204" pitchFamily="34" charset="0"/>
+              <a:buChar char="•"/>
+            </a:pPr>
+            <a:r>
+              <a:rPr lang="en-US" altLang="en-GB" sz="2000" b="1"/>
+              <a:t>Automatic morphology properties:</a:t>
+            </a:r>
+            <a:endParaRPr lang="en-US" altLang="en-GB" sz="2000" b="1"/>
+          </a:p>
+          <a:p>
+            <a:pPr marL="742950" lvl="1" indent="-285750">
+              <a:buFont typeface="Wingdings" panose="05000000000000000000" charset="0"/>
+              <a:buChar char="v"/>
+            </a:pPr>
+            <a:r>
+              <a:rPr lang="en-US" altLang="en-GB" sz="2000" i="1" u="sng">
+                <a:effectLst>
+                  <a:outerShdw blurRad="38100" dist="38100" dir="2700000" algn="tl">
+                    <a:srgbClr val="000000">
+                      <a:alpha val="43137"/>
+                    </a:srgbClr>
+                  </a:outerShdw>
+                </a:effectLst>
+              </a:rPr>
+              <a:t>CLOSING</a:t>
+            </a:r>
+            <a:r>
+              <a:rPr lang="en-US" altLang="en-GB" sz="2000" i="1" u="sng"/>
+              <a:t>:</a:t>
+            </a:r>
+            <a:r>
+              <a:rPr lang="en-US" altLang="en-GB" sz="2000" i="1"/>
+              <a:t> </a:t>
+            </a:r>
+            <a:r>
+              <a:rPr lang="en-US" altLang="en-GB" sz="2000"/>
+              <a:t>Fill small dark holes or gaps inside objects, or close narrow breaks in the mask boundary.</a:t>
+            </a:r>
+            <a:endParaRPr lang="en-US" altLang="en-GB" sz="2000"/>
+          </a:p>
+          <a:p>
+            <a:pPr marL="742950" lvl="1" indent="-285750">
+              <a:buFont typeface="Wingdings" panose="05000000000000000000" charset="0"/>
+              <a:buChar char="v"/>
+            </a:pPr>
+            <a:r>
+              <a:rPr lang="en-US" altLang="en-GB" sz="2000" i="1" u="sng">
+                <a:effectLst>
+                  <a:outerShdw blurRad="38100" dist="38100" dir="2700000" algn="tl">
+                    <a:srgbClr val="000000">
+                      <a:alpha val="43137"/>
+                    </a:srgbClr>
+                  </a:outerShdw>
+                </a:effectLst>
+              </a:rPr>
+              <a:t>OPENING</a:t>
+            </a:r>
+            <a:r>
+              <a:rPr lang="en-US" altLang="en-GB" sz="2000" i="1" u="sng"/>
+              <a:t>:</a:t>
+            </a:r>
+            <a:r>
+              <a:rPr lang="en-US" altLang="en-GB" sz="2000"/>
+              <a:t> Remove small, isolated bright regions or thin connections (“specks and noise”).</a:t>
+            </a:r>
+            <a:endParaRPr lang="en-US" altLang="en-GB" sz="2000"/>
+          </a:p>
+          <a:p>
+            <a:pPr marL="742950" lvl="1" indent="-285750">
+              <a:buFont typeface="Wingdings" panose="05000000000000000000" charset="0"/>
+              <a:buChar char="v"/>
+            </a:pPr>
+            <a:r>
+              <a:rPr lang="en-US" altLang="en-GB" sz="2000" i="1" u="sng">
+                <a:effectLst>
+                  <a:outerShdw blurRad="38100" dist="38100" dir="2700000" algn="tl">
+                    <a:srgbClr val="000000">
+                      <a:alpha val="43137"/>
+                    </a:srgbClr>
+                  </a:outerShdw>
+                </a:effectLst>
+              </a:rPr>
+              <a:t>EROSION</a:t>
+            </a:r>
+            <a:r>
+              <a:rPr lang="en-US" altLang="en-GB" sz="2000" i="1" u="sng"/>
+              <a:t>:</a:t>
+            </a:r>
+            <a:r>
+              <a:rPr lang="en-US" altLang="en-GB" sz="2000"/>
+              <a:t> Shrink objects uniformly by eating away their edges.</a:t>
+            </a:r>
+            <a:endParaRPr lang="en-US" altLang="en-GB" sz="2000"/>
+          </a:p>
+          <a:p>
+            <a:pPr marL="742950" lvl="1" indent="-285750">
+              <a:buFont typeface="Wingdings" panose="05000000000000000000" charset="0"/>
+              <a:buChar char="v"/>
+            </a:pPr>
+            <a:endParaRPr lang="en-US" altLang="en-GB" sz="2000"/>
+          </a:p>
+          <a:p>
+            <a:pPr marL="285750" indent="-285750">
+              <a:buFont typeface="Arial" panose="020B0604020202020204" pitchFamily="34" charset="0"/>
+              <a:buChar char="•"/>
+            </a:pPr>
+            <a:r>
+              <a:rPr lang="en-US" altLang="en-GB" sz="2000" b="1">
+                <a:sym typeface="+mn-ea"/>
+              </a:rPr>
+              <a:t>Parameters needs automatization: </a:t>
+            </a:r>
+            <a:endParaRPr lang="en-US" altLang="en-GB" sz="2000" b="1">
+              <a:sym typeface="+mn-ea"/>
+            </a:endParaRPr>
+          </a:p>
+          <a:p>
+            <a:pPr marL="800100" lvl="1" indent="-342900">
+              <a:buFont typeface="Wingdings" panose="05000000000000000000" charset="0"/>
+              <a:buChar char="v"/>
+            </a:pPr>
+            <a:r>
+              <a:rPr lang="en-US" altLang="en-GB" sz="2000">
+                <a:sym typeface="+mn-ea"/>
+              </a:rPr>
+              <a:t>Lysosomes threshold(blob_log)</a:t>
+            </a:r>
+            <a:endParaRPr lang="en-US" altLang="en-GB" sz="2000">
+              <a:sym typeface="+mn-ea"/>
+            </a:endParaRPr>
+          </a:p>
+          <a:p>
+            <a:pPr marL="800100" lvl="1" indent="-342900">
+              <a:buFont typeface="Wingdings" panose="05000000000000000000" charset="0"/>
+              <a:buChar char="v"/>
+            </a:pPr>
+            <a:r>
+              <a:rPr lang="en-US" altLang="en-GB" sz="2000">
+                <a:sym typeface="+mn-ea"/>
+              </a:rPr>
+              <a:t>Threshold local(cell mask)</a:t>
+            </a:r>
+            <a:endParaRPr lang="en-US" altLang="en-GB" sz="2000">
+              <a:sym typeface="+mn-ea"/>
+            </a:endParaRPr>
+          </a:p>
+          <a:p>
+            <a:pPr marL="800100" lvl="1" indent="-342900">
+              <a:buFont typeface="Wingdings" panose="05000000000000000000" charset="0"/>
+              <a:buChar char="v"/>
+            </a:pPr>
+            <a:r>
+              <a:rPr lang="en-US" altLang="en-GB" sz="2000"/>
+              <a:t>Minimum sigma</a:t>
+            </a:r>
+            <a:endParaRPr lang="en-US" altLang="en-GB" sz="2000"/>
+          </a:p>
+          <a:p>
+            <a:pPr marL="800100" lvl="1" indent="-342900">
+              <a:buFont typeface="Wingdings" panose="05000000000000000000" charset="0"/>
+              <a:buChar char="v"/>
+            </a:pPr>
+            <a:r>
+              <a:rPr lang="en-US" altLang="en-GB" sz="2000"/>
+              <a:t>Maximum sigma</a:t>
+            </a:r>
+            <a:endParaRPr lang="en-US" altLang="en-GB" sz="2000"/>
+          </a:p>
+          <a:p>
+            <a:pPr marL="800100" lvl="1" indent="-342900">
+              <a:buFont typeface="Wingdings" panose="05000000000000000000" charset="0"/>
+              <a:buChar char="v"/>
+            </a:pPr>
+            <a:r>
+              <a:rPr lang="en-US" altLang="en-GB" sz="2000"/>
+              <a:t>Number sigma</a:t>
+            </a:r>
+            <a:endParaRPr lang="en-US" altLang="en-GB" sz="2000"/>
+          </a:p>
+          <a:p>
+            <a:pPr marL="800100" lvl="1" indent="-342900">
+              <a:buFont typeface="Wingdings" panose="05000000000000000000" charset="0"/>
+              <a:buChar char="v"/>
+            </a:pPr>
+            <a:r>
+              <a:rPr lang="en-US" altLang="en-GB" sz="2000"/>
+              <a:t>MARGIN_UM</a:t>
+            </a:r>
+            <a:endParaRPr lang="en-US" altLang="en-GB" sz="2000"/>
+          </a:p>
+          <a:p>
+            <a:pPr marL="800100" lvl="1" indent="-342900">
+              <a:buFont typeface="Wingdings" panose="05000000000000000000" charset="0"/>
+              <a:buChar char="v"/>
+            </a:pPr>
+            <a:r>
+              <a:rPr lang="en-US" altLang="en-GB" sz="2000">
+                <a:sym typeface="+mn-ea"/>
+              </a:rPr>
+              <a:t>OVERLAP_ALPHA</a:t>
+            </a:r>
+            <a:endParaRPr lang="en-US" altLang="en-GB" sz="2000">
+              <a:sym typeface="+mn-ea"/>
+            </a:endParaRPr>
+          </a:p>
+          <a:p>
+            <a:pPr marL="800100" lvl="1" indent="-342900">
+              <a:buFont typeface="Wingdings" panose="05000000000000000000" charset="0"/>
+              <a:buChar char="v"/>
+            </a:pPr>
+            <a:r>
+              <a:rPr lang="en-US" altLang="en-GB" sz="2000">
+                <a:sym typeface="+mn-ea"/>
+              </a:rPr>
+              <a:t>NEIGHBOR_MAX_VOX</a:t>
+            </a:r>
+            <a:endParaRPr lang="en-US" altLang="en-GB" sz="2000">
+              <a:sym typeface="+mn-ea"/>
+            </a:endParaRPr>
+          </a:p>
+          <a:p>
+            <a:pPr marL="800100" lvl="1" indent="-342900">
+              <a:buFont typeface="Wingdings" panose="05000000000000000000" charset="0"/>
+              <a:buChar char="v"/>
+            </a:pPr>
+            <a:r>
+              <a:rPr lang="en-US" altLang="en-GB" sz="2000">
+                <a:sym typeface="+mn-ea"/>
+              </a:rPr>
+              <a:t>Others</a:t>
+            </a:r>
+            <a:endParaRPr lang="en-US" altLang="en-GB" sz="2000"/>
+          </a:p>
+          <a:p>
+            <a:pPr lvl="1" indent="0">
+              <a:buFont typeface="Wingdings" panose="05000000000000000000" charset="0"/>
+              <a:buNone/>
+            </a:pPr>
+            <a:endParaRPr lang="en-US" altLang="en-GB" sz="2000"/>
+          </a:p>
+          <a:p>
             <a:pPr indent="0">
               <a:buFont typeface="Arial" panose="020B0604020202020204" pitchFamily="34" charset="0"/>
               <a:buNone/>
             </a:pPr>
             <a:endParaRPr lang="en-US" altLang="en-GB" sz="2000"/>
-          </a:p>
-          <a:p>
-            <a:pPr indent="0">
-              <a:buFont typeface="Arial" panose="020B0604020202020204" pitchFamily="34" charset="0"/>
-              <a:buNone/>
-            </a:pPr>
-            <a:r>
-              <a:rPr lang="en-US" altLang="en-GB" sz="1500" b="1"/>
-              <a:t>Optimize σ (sigma) parameter</a:t>
-            </a:r>
-            <a:endParaRPr lang="en-US" altLang="en-GB" sz="1500" b="1"/>
-          </a:p>
-          <a:p>
-            <a:pPr indent="0">
-              <a:buFont typeface="Arial" panose="020B0604020202020204" pitchFamily="34" charset="0"/>
-              <a:buNone/>
-            </a:pPr>
-            <a:r>
-              <a:rPr lang="en-US" altLang="en-GB" sz="1500"/>
-              <a:t>Continue investigating the optimal sigma range for the blob_log detector to achieve the best balance between sensitivity and accuracy in lysosome detection.</a:t>
-            </a:r>
-            <a:endParaRPr lang="en-US" altLang="en-GB" sz="1500"/>
-          </a:p>
-          <a:p>
-            <a:pPr indent="0">
-              <a:buFont typeface="Arial" panose="020B0604020202020204" pitchFamily="34" charset="0"/>
-              <a:buNone/>
-            </a:pPr>
-            <a:endParaRPr lang="en-US" altLang="en-GB" sz="1500"/>
-          </a:p>
-          <a:p>
-            <a:pPr indent="0">
-              <a:buFont typeface="Arial" panose="020B0604020202020204" pitchFamily="34" charset="0"/>
-              <a:buNone/>
-            </a:pPr>
-            <a:r>
-              <a:rPr lang="en-US" altLang="en-GB" sz="1500" b="1"/>
-              <a:t>Automate parameter tuning</a:t>
-            </a:r>
-            <a:endParaRPr lang="en-US" altLang="en-GB" sz="1500" b="1"/>
-          </a:p>
-          <a:p>
-            <a:pPr indent="0">
-              <a:buFont typeface="Arial" panose="020B0604020202020204" pitchFamily="34" charset="0"/>
-              <a:buNone/>
-            </a:pPr>
-            <a:r>
-              <a:rPr lang="en-US" altLang="en-GB" sz="1500"/>
-              <a:t>Implement automated optimization routines for key script parameters (e.g., thresholds, morphology radii, and sigma values) to minimize manual intervention and ensure reproducible results.</a:t>
-            </a:r>
-            <a:endParaRPr lang="en-US" altLang="en-GB" sz="1500"/>
-          </a:p>
-          <a:p>
-            <a:pPr indent="0">
-              <a:buFont typeface="Arial" panose="020B0604020202020204" pitchFamily="34" charset="0"/>
-              <a:buNone/>
-            </a:pPr>
-            <a:endParaRPr lang="en-US" altLang="en-GB" sz="1500"/>
-          </a:p>
-          <a:p>
-            <a:pPr indent="0">
-              <a:buFont typeface="Arial" panose="020B0604020202020204" pitchFamily="34" charset="0"/>
-              <a:buNone/>
-            </a:pPr>
-            <a:r>
-              <a:rPr lang="en-US" altLang="en-GB" sz="1500" b="1"/>
-              <a:t>Generate static 3D visualizations</a:t>
-            </a:r>
-            <a:endParaRPr lang="en-US" altLang="en-GB" sz="1500" b="1"/>
-          </a:p>
-          <a:p>
-            <a:pPr indent="0">
-              <a:buFont typeface="Arial" panose="020B0604020202020204" pitchFamily="34" charset="0"/>
-              <a:buNone/>
-            </a:pPr>
-            <a:r>
-              <a:rPr lang="en-US" altLang="en-GB" sz="1500"/>
-              <a:t>Create high-quality static 3D renderings of segmented cells and lysosomes for documentation, figures, and presentations.</a:t>
-            </a:r>
-            <a:endParaRPr lang="en-US" altLang="en-GB" sz="1500"/>
-          </a:p>
-          <a:p>
-            <a:pPr indent="0">
-              <a:buFont typeface="Arial" panose="020B0604020202020204" pitchFamily="34" charset="0"/>
-              <a:buNone/>
-            </a:pPr>
-            <a:endParaRPr lang="en-US" altLang="en-GB" sz="1500" b="1"/>
-          </a:p>
-          <a:p>
-            <a:pPr indent="0">
-              <a:buFont typeface="Arial" panose="020B0604020202020204" pitchFamily="34" charset="0"/>
-              <a:buNone/>
-            </a:pPr>
-            <a:r>
-              <a:rPr lang="en-US" altLang="en-GB" sz="1500" b="1"/>
-              <a:t>Process additional datasets</a:t>
-            </a:r>
-            <a:endParaRPr lang="en-US" altLang="en-GB" sz="1500" b="1"/>
-          </a:p>
-          <a:p>
-            <a:pPr indent="0">
-              <a:buFont typeface="Arial" panose="020B0604020202020204" pitchFamily="34" charset="0"/>
-              <a:buNone/>
-            </a:pPr>
-            <a:r>
-              <a:rPr lang="en-US" altLang="en-GB" sz="1500"/>
-              <a:t>Expand the analysis to include more image stacks to validate robustness and performance across different imaging conditions.</a:t>
-            </a:r>
-            <a:endParaRPr lang="en-US" altLang="en-GB" sz="1500"/>
-          </a:p>
-          <a:p>
-            <a:pPr indent="0">
-              <a:buFont typeface="Arial" panose="020B0604020202020204" pitchFamily="34" charset="0"/>
-              <a:buNone/>
-            </a:pPr>
-            <a:endParaRPr lang="en-US" altLang="en-GB" sz="1500"/>
-          </a:p>
-          <a:p>
-            <a:pPr indent="0">
-              <a:buFont typeface="Arial" panose="020B0604020202020204" pitchFamily="34" charset="0"/>
-              <a:buNone/>
-            </a:pPr>
-            <a:r>
-              <a:rPr lang="en-US" altLang="en-GB" sz="1500" b="1"/>
-              <a:t>Set up the environment on the server</a:t>
-            </a:r>
-            <a:endParaRPr lang="en-US" altLang="en-GB" sz="1500" b="1"/>
-          </a:p>
-          <a:p>
-            <a:pPr indent="0">
-              <a:buFont typeface="Arial" panose="020B0604020202020204" pitchFamily="34" charset="0"/>
-              <a:buNone/>
-            </a:pPr>
-            <a:r>
-              <a:rPr lang="en-US" altLang="en-GB" sz="1500"/>
-              <a:t>Install all required programs, dependencies, and Python libraries on the analysis server to enable remote execution and ensure consistent environments across users.</a:t>
-            </a:r>
-            <a:endParaRPr lang="en-US" altLang="en-GB" sz="1500"/>
-          </a:p>
-          <a:p>
-            <a:pPr indent="0">
-              <a:buFont typeface="Arial" panose="020B0604020202020204" pitchFamily="34" charset="0"/>
-              <a:buNone/>
-            </a:pPr>
-            <a:endParaRPr lang="en-US" altLang="en-GB" sz="1500"/>
-          </a:p>
-          <a:p>
-            <a:pPr indent="0">
-              <a:buFont typeface="Arial" panose="020B0604020202020204" pitchFamily="34" charset="0"/>
-              <a:buNone/>
-            </a:pPr>
-            <a:r>
-              <a:rPr lang="en-US" altLang="en-GB" sz="1500" b="1"/>
-              <a:t>Implement batch processing</a:t>
-            </a:r>
-            <a:endParaRPr lang="en-US" altLang="en-GB" sz="1500" b="1"/>
-          </a:p>
-          <a:p>
-            <a:pPr indent="0">
-              <a:buFont typeface="Arial" panose="020B0604020202020204" pitchFamily="34" charset="0"/>
-              <a:buNone/>
-            </a:pPr>
-            <a:r>
-              <a:rPr lang="en-US" altLang="en-GB" sz="1500"/>
-              <a:t>Develop a batch-processing workflow to automatically analyze multiple images or datasets sequentially, improving throughput and </a:t>
-            </a:r>
-            <a:r>
-              <a:rPr lang="en-US" altLang="en-GB" sz="1500"/>
-              <a:t>efficiency.</a:t>
-            </a:r>
-            <a:endParaRPr lang="en-US" altLang="en-GB" sz="1500"/>
           </a:p>
         </p:txBody>
       </p:sp>
@@ -5986,25 +7065,29 @@
       <p:grpSpPr/>
       <p:sp>
         <p:nvSpPr>
-          <p:cNvPr id="2" name="Title 1"/>
-          <p:cNvSpPr>
-            <a:spLocks noGrp="1"/>
-          </p:cNvSpPr>
-          <p:nvPr>
-            <p:ph type="title"/>
-          </p:nvPr>
+          <p:cNvPr id="2" name="TextBox 1"/>
+          <p:cNvSpPr txBox="1"/>
+          <p:nvPr/>
         </p:nvSpPr>
         <p:spPr>
           <a:xfrm>
-            <a:off x="609600" y="84455"/>
-            <a:ext cx="10972800" cy="582613"/>
+            <a:off x="457200" y="274320"/>
+            <a:ext cx="8000365" cy="697865"/>
           </a:xfrm>
+          <a:prstGeom prst="rect">
+            <a:avLst/>
+          </a:prstGeom>
+          <a:noFill/>
         </p:spPr>
         <p:txBody>
-          <a:bodyPr/>
-          <a:p>
-            <a:r>
-              <a:rPr lang="en-US" altLang="en-GB" b="1">
+          <a:bodyPr wrap="none">
+            <a:noAutofit/>
+          </a:bodyPr>
+          <a:lstStyle/>
+          <a:p>
+            <a:pPr algn="l"/>
+            <a:r>
+              <a:rPr lang="en-US" altLang="en-GB" sz="3200" b="1">
                 <a:solidFill>
                   <a:srgbClr val="FF0000"/>
                 </a:solidFill>
@@ -6016,9 +7099,9 @@
                   </a:outerShdw>
                 </a:effectLst>
               </a:rPr>
-              <a:t>FILES</a:t>
-            </a:r>
-            <a:endParaRPr lang="en-US" altLang="en-GB" b="1">
+              <a:t>Next steps</a:t>
+            </a:r>
+            <a:endParaRPr lang="en-US" altLang="en-GB" sz="3200" b="1">
               <a:solidFill>
                 <a:srgbClr val="FF0000"/>
               </a:solidFill>
@@ -6035,150 +7118,235 @@
       </p:sp>
       <p:sp>
         <p:nvSpPr>
-          <p:cNvPr id="3" name="Content Placeholder 2"/>
-          <p:cNvSpPr>
-            <a:spLocks noGrp="1"/>
-          </p:cNvSpPr>
-          <p:nvPr>
-            <p:ph idx="1"/>
-          </p:nvPr>
+          <p:cNvPr id="3" name="TextBox 2"/>
+          <p:cNvSpPr txBox="1"/>
+          <p:nvPr/>
         </p:nvSpPr>
         <p:spPr>
           <a:xfrm>
-            <a:off x="609600" y="667385"/>
-            <a:ext cx="10972800" cy="4953000"/>
+            <a:off x="731520" y="1371600"/>
+            <a:ext cx="309880" cy="1106805"/>
           </a:xfrm>
+          <a:prstGeom prst="rect">
+            <a:avLst/>
+          </a:prstGeom>
+          <a:noFill/>
         </p:spPr>
         <p:txBody>
-          <a:bodyPr/>
+          <a:bodyPr wrap="none">
+            <a:spAutoFit/>
+          </a:bodyPr>
+          <a:lstStyle/>
+          <a:p/>
           <a:p>
             <a:pPr>
-              <a:buFont typeface="Wingdings" panose="05000000000000000000" charset="0"/>
-              <a:buChar char="ü"/>
+              <a:defRPr sz="2800">
+                <a:solidFill>
+                  <a:srgbClr val="323232"/>
+                </a:solidFill>
+              </a:defRPr>
             </a:pPr>
-            <a:r>
-              <a:rPr lang="en-US" altLang="en-GB" sz="2800"/>
-              <a:t>Airy scan_40A_UAS-TMEM-HA_CB_0h_1_051222</a:t>
-            </a:r>
-            <a:endParaRPr lang="en-US" altLang="en-GB" sz="2800"/>
-          </a:p>
-          <a:p>
-            <a:pPr>
-              <a:buFont typeface="Wingdings" panose="05000000000000000000" charset="0"/>
-              <a:buChar char="ü"/>
+            <a:endParaRPr lang="en-US" sz="4800"/>
+          </a:p>
+        </p:txBody>
+      </p:sp>
+      <p:sp>
+        <p:nvSpPr>
+          <p:cNvPr id="4" name="Text Box 3"/>
+          <p:cNvSpPr txBox="1"/>
+          <p:nvPr/>
+        </p:nvSpPr>
+        <p:spPr>
+          <a:xfrm>
+            <a:off x="635635" y="834390"/>
+            <a:ext cx="11173460" cy="5246370"/>
+          </a:xfrm>
+          <a:prstGeom prst="rect">
+            <a:avLst/>
+          </a:prstGeom>
+          <a:noFill/>
+        </p:spPr>
+        <p:txBody>
+          <a:bodyPr wrap="square" rtlCol="0">
+            <a:spAutoFit/>
+          </a:bodyPr>
+          <a:p>
+            <a:pPr indent="0">
+              <a:buFont typeface="Arial" panose="020B0604020202020204" pitchFamily="34" charset="0"/>
+              <a:buNone/>
             </a:pPr>
-            <a:r>
-              <a:rPr lang="en-US" altLang="en-GB" sz="2800"/>
-              <a:t>Airy scan_40A_UAS-TMEM-HA_CB_0h_2_051222</a:t>
-            </a:r>
-            <a:endParaRPr lang="en-US" altLang="en-GB" sz="2800"/>
-          </a:p>
-          <a:p>
-            <a:pPr>
-              <a:buFont typeface="Wingdings" panose="05000000000000000000" charset="0"/>
-              <a:buChar char="ü"/>
+            <a:endParaRPr lang="en-US" altLang="en-GB" sz="2000"/>
+          </a:p>
+          <a:p>
+            <a:pPr indent="0">
+              <a:buFont typeface="Arial" panose="020B0604020202020204" pitchFamily="34" charset="0"/>
+              <a:buNone/>
             </a:pPr>
             <a:r>
-              <a:rPr lang="en-US" altLang="en-GB" sz="2800"/>
-              <a:t>Airy scan_40A_UAS-TMEM-HA_CB_4h_1_051222</a:t>
-            </a:r>
-            <a:endParaRPr lang="en-US" altLang="en-GB" sz="2800"/>
-          </a:p>
-          <a:p>
-            <a:pPr>
-              <a:buFont typeface="Wingdings" panose="05000000000000000000" charset="0"/>
-              <a:buChar char="ü"/>
+              <a:rPr lang="en-US" altLang="en-GB" sz="1500" b="1"/>
+              <a:t>Optimize σ (sigma) parameter</a:t>
+            </a:r>
+            <a:endParaRPr lang="en-US" altLang="en-GB" sz="1500" b="1"/>
+          </a:p>
+          <a:p>
+            <a:pPr indent="0">
+              <a:buFont typeface="Arial" panose="020B0604020202020204" pitchFamily="34" charset="0"/>
+              <a:buNone/>
             </a:pPr>
             <a:r>
-              <a:rPr lang="en-US" altLang="en-GB" sz="2800"/>
-              <a:t>Airy scan_40A_UAS-TMEM-HA_CB_4h_2_051222</a:t>
-            </a:r>
-            <a:endParaRPr lang="en-US" altLang="en-GB" sz="2800"/>
-          </a:p>
-          <a:p>
-            <a:pPr>
-              <a:buFont typeface="Wingdings" panose="05000000000000000000" charset="0"/>
-              <a:buChar char="ü"/>
+              <a:rPr lang="en-US" altLang="en-GB" sz="1500"/>
+              <a:t>Continue investigating the optimal sigma range for the blob_log detector to achieve the best balance between sensitivity and accuracy in lysosome detection.</a:t>
+            </a:r>
+            <a:endParaRPr lang="en-US" altLang="en-GB" sz="1500"/>
+          </a:p>
+          <a:p>
+            <a:pPr indent="0">
+              <a:buFont typeface="Arial" panose="020B0604020202020204" pitchFamily="34" charset="0"/>
+              <a:buNone/>
             </a:pPr>
-            <a:r>
-              <a:rPr lang="en-US" altLang="en-GB" sz="2800"/>
-              <a:t>TMEM-HA 6h CB airy_3_170722</a:t>
-            </a:r>
-            <a:endParaRPr lang="en-US" altLang="en-GB" sz="2800"/>
-          </a:p>
-          <a:p>
-            <a:pPr>
-              <a:buFont typeface="Wingdings" panose="05000000000000000000" charset="0"/>
-              <a:buChar char="ü"/>
+            <a:endParaRPr lang="en-US" altLang="en-GB" sz="1500"/>
+          </a:p>
+          <a:p>
+            <a:pPr indent="0">
+              <a:buFont typeface="Arial" panose="020B0604020202020204" pitchFamily="34" charset="0"/>
+              <a:buNone/>
             </a:pPr>
             <a:r>
-              <a:rPr lang="en-US" altLang="en-GB" sz="2800"/>
-              <a:t>40A_UAS-TMEM192-3xHA x 40A 71G10 MARCM_around 12h - for quantification_4 Airy-CBs_300425</a:t>
-            </a:r>
-            <a:endParaRPr lang="en-US" altLang="en-GB" sz="2800"/>
-          </a:p>
-          <a:p>
-            <a:pPr>
-              <a:buFont typeface="Wingdings" panose="05000000000000000000" charset="0"/>
-              <a:buChar char="ü"/>
+              <a:rPr lang="en-US" altLang="en-GB" sz="1500" b="1"/>
+              <a:t>Automate parameter tuning</a:t>
+            </a:r>
+            <a:endParaRPr lang="en-US" altLang="en-GB" sz="1500" b="1"/>
+          </a:p>
+          <a:p>
+            <a:pPr indent="0">
+              <a:buFont typeface="Arial" panose="020B0604020202020204" pitchFamily="34" charset="0"/>
+              <a:buNone/>
             </a:pPr>
             <a:r>
-              <a:rPr lang="en-US" altLang="en-GB" sz="2800">
-                <a:solidFill>
-                  <a:schemeClr val="tx1"/>
-                </a:solidFill>
-                <a:effectLst/>
-              </a:rPr>
-              <a:t>40A_UAS-TMEM192-3xHA x 40A 71G10 MARCM_around 12h - for quantification_3 Airy-CBs_300425</a:t>
-            </a:r>
-            <a:endParaRPr lang="en-US" altLang="en-GB" sz="2800">
-              <a:solidFill>
-                <a:schemeClr val="tx1"/>
-              </a:solidFill>
-              <a:effectLst/>
-            </a:endParaRPr>
-          </a:p>
-          <a:p>
-            <a:pPr>
-              <a:buFont typeface="Wingdings" panose="05000000000000000000" charset="0"/>
-              <a:buChar char="ü"/>
+              <a:rPr lang="en-US" altLang="en-GB" sz="1500"/>
+              <a:t>Implement automated optimization routines for key script parameters (e.g., threshold, sigma values,others) to minimize manual intervention and ensure reproducible results.</a:t>
+            </a:r>
+            <a:endParaRPr lang="en-US" altLang="en-GB" sz="1500"/>
+          </a:p>
+          <a:p>
+            <a:pPr indent="0">
+              <a:buFont typeface="Arial" panose="020B0604020202020204" pitchFamily="34" charset="0"/>
+              <a:buNone/>
             </a:pPr>
-            <a:r>
-              <a:rPr lang="en-US" altLang="en-GB" sz="2800">
-                <a:solidFill>
-                  <a:schemeClr val="tx1"/>
-                </a:solidFill>
-                <a:effectLst/>
-              </a:rPr>
-              <a:t>40A_UAS-TMEM1923x-HA x 71G10 40A MARCM_L3_2_Airy_010724</a:t>
-            </a:r>
-            <a:endParaRPr lang="en-US" altLang="en-GB" sz="2800">
-              <a:solidFill>
-                <a:schemeClr val="tx1"/>
-              </a:solidFill>
-              <a:effectLst/>
-            </a:endParaRPr>
-          </a:p>
-          <a:p>
-            <a:pPr>
-              <a:buFont typeface="Wingdings" panose="05000000000000000000" charset="0"/>
-              <a:buChar char="ü"/>
+            <a:endParaRPr lang="en-US" altLang="en-GB" sz="1500"/>
+          </a:p>
+          <a:p>
+            <a:pPr indent="0">
+              <a:buFont typeface="Arial" panose="020B0604020202020204" pitchFamily="34" charset="0"/>
+              <a:buNone/>
             </a:pPr>
             <a:r>
-              <a:rPr lang="en-US" altLang="en-GB" sz="2800">
-                <a:solidFill>
-                  <a:schemeClr val="tx1"/>
-                </a:solidFill>
-                <a:effectLst/>
-              </a:rPr>
-              <a:t>40A_UAS-TMEM1923x-HA x 71G10 40A MARCM_L3_1_Airy_010724</a:t>
-            </a:r>
-            <a:endParaRPr lang="en-US" altLang="en-GB" sz="2800">
-              <a:solidFill>
-                <a:schemeClr val="tx1"/>
-              </a:solidFill>
-              <a:effectLst/>
-            </a:endParaRPr>
+              <a:rPr lang="en-US" altLang="en-GB" sz="1500" b="1"/>
+              <a:t>Generate static 3D visualizations</a:t>
+            </a:r>
+            <a:endParaRPr lang="en-US" altLang="en-GB" sz="1500" b="1"/>
+          </a:p>
+          <a:p>
+            <a:pPr indent="0">
+              <a:buFont typeface="Arial" panose="020B0604020202020204" pitchFamily="34" charset="0"/>
+              <a:buNone/>
+            </a:pPr>
+            <a:r>
+              <a:rPr lang="en-US" altLang="en-GB" sz="1500"/>
+              <a:t>Create high-quality static 3D renderings of segmented cells and lysosomes for documentation, figures, and presentations.</a:t>
+            </a:r>
+            <a:endParaRPr lang="en-US" altLang="en-GB" sz="1500"/>
+          </a:p>
+          <a:p>
+            <a:pPr indent="0">
+              <a:buFont typeface="Arial" panose="020B0604020202020204" pitchFamily="34" charset="0"/>
+              <a:buNone/>
+            </a:pPr>
+            <a:endParaRPr lang="en-US" altLang="en-GB" sz="1500" b="1"/>
+          </a:p>
+          <a:p>
+            <a:pPr indent="0">
+              <a:buFont typeface="Arial" panose="020B0604020202020204" pitchFamily="34" charset="0"/>
+              <a:buNone/>
+            </a:pPr>
+            <a:r>
+              <a:rPr lang="en-US" altLang="en-GB" sz="1500" b="1"/>
+              <a:t>Process additional datasets</a:t>
+            </a:r>
+            <a:endParaRPr lang="en-US" altLang="en-GB" sz="1500" b="1"/>
+          </a:p>
+          <a:p>
+            <a:pPr indent="0">
+              <a:buFont typeface="Arial" panose="020B0604020202020204" pitchFamily="34" charset="0"/>
+              <a:buNone/>
+            </a:pPr>
+            <a:r>
+              <a:rPr lang="en-US" altLang="en-GB" sz="1500"/>
+              <a:t>Expand the analysis to include more image stacks to validate robustness and performance across different imaging conditions.</a:t>
+            </a:r>
+            <a:endParaRPr lang="en-US" altLang="en-GB" sz="1500"/>
+          </a:p>
+          <a:p>
+            <a:pPr indent="0">
+              <a:buFont typeface="Arial" panose="020B0604020202020204" pitchFamily="34" charset="0"/>
+              <a:buNone/>
+            </a:pPr>
+            <a:endParaRPr lang="en-US" altLang="en-GB" sz="1500"/>
+          </a:p>
+          <a:p>
+            <a:pPr indent="0">
+              <a:buFont typeface="Arial" panose="020B0604020202020204" pitchFamily="34" charset="0"/>
+              <a:buNone/>
+            </a:pPr>
+            <a:r>
+              <a:rPr lang="en-US" altLang="en-GB" sz="1500" b="1"/>
+              <a:t>Set up the environment on the server</a:t>
+            </a:r>
+            <a:endParaRPr lang="en-US" altLang="en-GB" sz="1500" b="1"/>
+          </a:p>
+          <a:p>
+            <a:pPr indent="0">
+              <a:buFont typeface="Arial" panose="020B0604020202020204" pitchFamily="34" charset="0"/>
+              <a:buNone/>
+            </a:pPr>
+            <a:r>
+              <a:rPr lang="en-US" altLang="en-GB" sz="1500"/>
+              <a:t>Install all required programs, dependencies, and Python libraries on the analysis server to enable remote execution and ensure consistent environments across users.</a:t>
+            </a:r>
+            <a:endParaRPr lang="en-US" altLang="en-GB" sz="1500"/>
+          </a:p>
+          <a:p>
+            <a:pPr indent="0">
+              <a:buFont typeface="Arial" panose="020B0604020202020204" pitchFamily="34" charset="0"/>
+              <a:buNone/>
+            </a:pPr>
+            <a:endParaRPr lang="en-US" altLang="en-GB" sz="1500"/>
+          </a:p>
+          <a:p>
+            <a:pPr indent="0">
+              <a:buFont typeface="Arial" panose="020B0604020202020204" pitchFamily="34" charset="0"/>
+              <a:buNone/>
+            </a:pPr>
+            <a:r>
+              <a:rPr lang="en-US" altLang="en-GB" sz="1500" b="1"/>
+              <a:t>Implement batch processing</a:t>
+            </a:r>
+            <a:endParaRPr lang="en-US" altLang="en-GB" sz="1500" b="1"/>
+          </a:p>
+          <a:p>
+            <a:pPr indent="0">
+              <a:buFont typeface="Arial" panose="020B0604020202020204" pitchFamily="34" charset="0"/>
+              <a:buNone/>
+            </a:pPr>
+            <a:r>
+              <a:rPr lang="en-US" altLang="en-GB" sz="1500"/>
+              <a:t>Develop a batch-processing workflow to automatically analyze multiple images or datasets sequentially, improving throughput and </a:t>
+            </a:r>
+            <a:r>
+              <a:rPr lang="en-US" altLang="en-GB" sz="1500"/>
+              <a:t>efficiency.</a:t>
+            </a:r>
+            <a:endParaRPr lang="en-US" altLang="en-GB" sz="1500"/>
           </a:p>
         </p:txBody>
       </p:sp>
@@ -6210,6 +7378,222 @@
             <p:ph type="title"/>
           </p:nvPr>
         </p:nvSpPr>
+        <p:spPr>
+          <a:xfrm>
+            <a:off x="609600" y="84455"/>
+            <a:ext cx="10972800" cy="582613"/>
+          </a:xfrm>
+        </p:spPr>
+        <p:txBody>
+          <a:bodyPr/>
+          <a:p>
+            <a:r>
+              <a:rPr lang="en-US" altLang="en-GB" b="1">
+                <a:solidFill>
+                  <a:srgbClr val="FF0000"/>
+                </a:solidFill>
+                <a:effectLst>
+                  <a:outerShdw blurRad="38100" dist="38100" dir="2700000" algn="tl">
+                    <a:srgbClr val="000000">
+                      <a:alpha val="43137"/>
+                    </a:srgbClr>
+                  </a:outerShdw>
+                </a:effectLst>
+              </a:rPr>
+              <a:t>FILES</a:t>
+            </a:r>
+            <a:endParaRPr lang="en-US" altLang="en-GB" b="1">
+              <a:solidFill>
+                <a:srgbClr val="FF0000"/>
+              </a:solidFill>
+              <a:effectLst>
+                <a:outerShdw blurRad="38100" dist="38100" dir="2700000" algn="tl">
+                  <a:srgbClr val="000000">
+                    <a:alpha val="43137"/>
+                  </a:srgbClr>
+                </a:outerShdw>
+              </a:effectLst>
+            </a:endParaRPr>
+          </a:p>
+        </p:txBody>
+      </p:sp>
+      <p:sp>
+        <p:nvSpPr>
+          <p:cNvPr id="3" name="Content Placeholder 2"/>
+          <p:cNvSpPr>
+            <a:spLocks noGrp="1"/>
+          </p:cNvSpPr>
+          <p:nvPr>
+            <p:ph idx="1"/>
+          </p:nvPr>
+        </p:nvSpPr>
+        <p:spPr>
+          <a:xfrm>
+            <a:off x="609600" y="667385"/>
+            <a:ext cx="10972800" cy="4953000"/>
+          </a:xfrm>
+        </p:spPr>
+        <p:txBody>
+          <a:bodyPr/>
+          <a:p>
+            <a:pPr>
+              <a:buFont typeface="Wingdings" panose="05000000000000000000" charset="0"/>
+              <a:buChar char="ü"/>
+            </a:pPr>
+            <a:r>
+              <a:rPr lang="en-US" altLang="en-GB" sz="2800"/>
+              <a:t>Airy scan_40A_UAS-TMEM-HA_CB_0h_1_051222</a:t>
+            </a:r>
+            <a:endParaRPr lang="en-US" altLang="en-GB" sz="2800"/>
+          </a:p>
+          <a:p>
+            <a:pPr>
+              <a:buFont typeface="Wingdings" panose="05000000000000000000" charset="0"/>
+              <a:buChar char="ü"/>
+            </a:pPr>
+            <a:r>
+              <a:rPr lang="en-US" altLang="en-GB" sz="2800"/>
+              <a:t>Airy scan_40A_UAS-TMEM-HA_CB_0h_2_051222</a:t>
+            </a:r>
+            <a:endParaRPr lang="en-US" altLang="en-GB" sz="2800"/>
+          </a:p>
+          <a:p>
+            <a:pPr>
+              <a:buFont typeface="Wingdings" panose="05000000000000000000" charset="0"/>
+              <a:buChar char="ü"/>
+            </a:pPr>
+            <a:r>
+              <a:rPr lang="en-US" altLang="en-GB" sz="2800"/>
+              <a:t>Airy scan_40A_UAS-TMEM-HA_CB_4h_1_051222</a:t>
+            </a:r>
+            <a:endParaRPr lang="en-US" altLang="en-GB" sz="2800"/>
+          </a:p>
+          <a:p>
+            <a:pPr>
+              <a:buFont typeface="Wingdings" panose="05000000000000000000" charset="0"/>
+              <a:buChar char="ü"/>
+            </a:pPr>
+            <a:r>
+              <a:rPr lang="en-US" altLang="en-GB" sz="2800"/>
+              <a:t>Airy scan_40A_UAS-TMEM-HA_CB_4h_2_051222</a:t>
+            </a:r>
+            <a:endParaRPr lang="en-US" altLang="en-GB" sz="2800"/>
+          </a:p>
+          <a:p>
+            <a:pPr>
+              <a:buFont typeface="Wingdings" panose="05000000000000000000" charset="0"/>
+              <a:buChar char="ü"/>
+            </a:pPr>
+            <a:r>
+              <a:rPr lang="en-US" altLang="en-GB" sz="2800"/>
+              <a:t>TMEM-HA 6h CB airy_3_170722</a:t>
+            </a:r>
+            <a:endParaRPr lang="en-US" altLang="en-GB" sz="2800"/>
+          </a:p>
+          <a:p>
+            <a:pPr>
+              <a:buFont typeface="Wingdings" panose="05000000000000000000" charset="0"/>
+              <a:buChar char="ü"/>
+            </a:pPr>
+            <a:r>
+              <a:rPr lang="en-US" altLang="en-GB" sz="2800"/>
+              <a:t>40A_UAS-TMEM192-3xHA x 40A 71G10 MARCM_around 12h - for quantification_4 Airy-CBs_300425</a:t>
+            </a:r>
+            <a:endParaRPr lang="en-US" altLang="en-GB" sz="2800"/>
+          </a:p>
+          <a:p>
+            <a:pPr>
+              <a:buFont typeface="Wingdings" panose="05000000000000000000" charset="0"/>
+              <a:buChar char="ü"/>
+            </a:pPr>
+            <a:r>
+              <a:rPr lang="en-US" altLang="en-GB" sz="2800">
+                <a:solidFill>
+                  <a:schemeClr val="tx1"/>
+                </a:solidFill>
+                <a:effectLst/>
+              </a:rPr>
+              <a:t>40A_UAS-TMEM192-3xHA x 40A 71G10 MARCM_around 12h - for quantification_3 Airy-CBs_300425</a:t>
+            </a:r>
+            <a:endParaRPr lang="en-US" altLang="en-GB" sz="2800">
+              <a:solidFill>
+                <a:schemeClr val="tx1"/>
+              </a:solidFill>
+              <a:effectLst/>
+            </a:endParaRPr>
+          </a:p>
+          <a:p>
+            <a:pPr>
+              <a:buFont typeface="Wingdings" panose="05000000000000000000" charset="0"/>
+              <a:buChar char="ü"/>
+            </a:pPr>
+            <a:r>
+              <a:rPr lang="en-US" altLang="en-GB" sz="2800">
+                <a:solidFill>
+                  <a:schemeClr val="tx1"/>
+                </a:solidFill>
+                <a:effectLst/>
+              </a:rPr>
+              <a:t>40A_UAS-TMEM1923x-HA x 71G10 40A MARCM_L3_2_Airy_010724</a:t>
+            </a:r>
+            <a:endParaRPr lang="en-US" altLang="en-GB" sz="2800">
+              <a:solidFill>
+                <a:schemeClr val="tx1"/>
+              </a:solidFill>
+              <a:effectLst/>
+            </a:endParaRPr>
+          </a:p>
+          <a:p>
+            <a:pPr>
+              <a:buFont typeface="Wingdings" panose="05000000000000000000" charset="0"/>
+              <a:buChar char="ü"/>
+            </a:pPr>
+            <a:r>
+              <a:rPr lang="en-US" altLang="en-GB" sz="2800">
+                <a:solidFill>
+                  <a:schemeClr val="tx1"/>
+                </a:solidFill>
+                <a:effectLst/>
+              </a:rPr>
+              <a:t>40A_UAS-TMEM1923x-HA x 71G10 40A MARCM_L3_1_Airy_010724</a:t>
+            </a:r>
+            <a:endParaRPr lang="en-US" altLang="en-GB" sz="2800">
+              <a:solidFill>
+                <a:schemeClr val="tx1"/>
+              </a:solidFill>
+              <a:effectLst/>
+            </a:endParaRPr>
+          </a:p>
+        </p:txBody>
+      </p:sp>
+    </p:spTree>
+  </p:cSld>
+  <p:clrMapOvr>
+    <a:masterClrMapping/>
+  </p:clrMapOvr>
+</p:sld>
+</file>
+
+<file path=ppt/slides/slide7.xml><?xml version="1.0" encoding="utf-8"?>
+<p:sld xmlns:a="http://schemas.openxmlformats.org/drawingml/2006/main" xmlns:r="http://schemas.openxmlformats.org/officeDocument/2006/relationships" xmlns:p="http://schemas.openxmlformats.org/presentationml/2006/main">
+  <p:cSld>
+    <p:spTree>
+      <p:nvGrpSpPr>
+        <p:cNvPr id="1" name=""/>
+        <p:cNvGrpSpPr/>
+        <p:nvPr/>
+      </p:nvGrpSpPr>
+      <p:grpSpPr/>
+      <p:sp>
+        <p:nvSpPr>
+          <p:cNvPr id="2" name="Title 1"/>
+          <p:cNvSpPr>
+            <a:spLocks noGrp="1"/>
+          </p:cNvSpPr>
+          <p:nvPr>
+            <p:ph type="title"/>
+          </p:nvPr>
+        </p:nvSpPr>
         <p:spPr/>
         <p:txBody>
           <a:bodyPr/>
@@ -6246,6 +7630,40 @@
           </a:p>
         </p:txBody>
       </p:sp>
+      <p:pic>
+        <p:nvPicPr>
+          <p:cNvPr id="3" name="ch2_raw_and_fused_all_viz">
+            <a:hlinkClick r:id="" action="ppaction://media"/>
+          </p:cNvPr>
+          <p:cNvPicPr/>
+          <p:nvPr>
+            <a:videoFile r:link="rId1"/>
+            <p:extLst>
+              <p:ext uri="{DAA4B4D4-6D71-4841-9C94-3DE7FCFB9230}">
+                <p14:media xmlns:p14="http://schemas.microsoft.com/office/powerpoint/2010/main" r:embed="rId2"/>
+              </p:ext>
+            </p:extLst>
+            <p:custDataLst>
+              <p:tags r:id="rId3"/>
+            </p:custDataLst>
+          </p:nvPr>
+        </p:nvPicPr>
+        <p:blipFill>
+          <a:blip r:embed="rId4"/>
+          <a:stretch>
+            <a:fillRect/>
+          </a:stretch>
+        </p:blipFill>
+        <p:spPr>
+          <a:xfrm>
+            <a:off x="396240" y="897255"/>
+            <a:ext cx="11399520" cy="5699760"/>
+          </a:xfrm>
+          <a:prstGeom prst="rect">
+            <a:avLst/>
+          </a:prstGeom>
+        </p:spPr>
+      </p:pic>
     </p:spTree>
   </p:cSld>
   <p:clrMapOvr>
@@ -6254,85 +7672,80 @@
   <p:timing>
     <p:tnLst>
       <p:par>
-        <p:cTn id="1" dur="indefinite" restart="never" nodeType="tmRoot"/>
-      </p:par>
-    </p:tnLst>
-  </p:timing>
-</p:sld>
-</file>
-
-<file path=ppt/slides/slide7.xml><?xml version="1.0" encoding="utf-8"?>
-<p:sld xmlns:a="http://schemas.openxmlformats.org/drawingml/2006/main" xmlns:r="http://schemas.openxmlformats.org/officeDocument/2006/relationships" xmlns:p="http://schemas.openxmlformats.org/presentationml/2006/main">
-  <p:cSld>
-    <p:spTree>
-      <p:nvGrpSpPr>
-        <p:cNvPr id="1" name=""/>
-        <p:cNvGrpSpPr/>
-        <p:nvPr/>
-      </p:nvGrpSpPr>
-      <p:grpSpPr>
-        <a:xfrm>
-          <a:off x="0" y="0"/>
-          <a:ext cx="0" cy="0"/>
-          <a:chOff x="0" y="0"/>
-          <a:chExt cx="0" cy="0"/>
-        </a:xfrm>
-      </p:grpSpPr>
-      <p:sp>
-        <p:nvSpPr>
-          <p:cNvPr id="2" name="Título 1"/>
-          <p:cNvSpPr>
-            <a:spLocks noGrp="1"/>
-          </p:cNvSpPr>
-          <p:nvPr>
-            <p:ph type="title"/>
-          </p:nvPr>
-        </p:nvSpPr>
-        <p:spPr>
-          <a:xfrm>
-            <a:off x="609600" y="190500"/>
-            <a:ext cx="10972800" cy="762000"/>
-          </a:xfrm>
-        </p:spPr>
-        <p:txBody>
-          <a:bodyPr lIns="91440" tIns="45720" rIns="91440" bIns="45720" anchor="ctr" anchorCtr="0"/>
-          <a:lstStyle/>
-          <a:p>
-            <a:r>
-              <a:rPr lang="en-US" altLang="en-GB" b="1" dirty="0">
-                <a:solidFill>
-                  <a:srgbClr val="FF0000"/>
-                </a:solidFill>
-                <a:cs typeface="Arial" panose="020B0604020202020204"/>
-              </a:rPr>
-              <a:t>Airy scan_40A_UAS-TMEM-HA_CB_0h_1_051222</a:t>
-            </a:r>
-            <a:br>
-              <a:rPr lang="en-US" altLang="en-GB" b="1" dirty="0">
-                <a:solidFill>
-                  <a:srgbClr val="FF0000"/>
-                </a:solidFill>
-                <a:cs typeface="Arial" panose="020B0604020202020204"/>
-              </a:rPr>
-            </a:br>
-            <a:endParaRPr lang="en-US" altLang="en-GB" b="1" dirty="0">
-              <a:solidFill>
-                <a:srgbClr val="FF0000"/>
-              </a:solidFill>
-              <a:cs typeface="Arial" panose="020B0604020202020204"/>
-            </a:endParaRPr>
-          </a:p>
-        </p:txBody>
-      </p:sp>
-    </p:spTree>
-  </p:cSld>
-  <p:clrMapOvr>
-    <a:masterClrMapping/>
-  </p:clrMapOvr>
-  <p:timing>
-    <p:tnLst>
-      <p:par>
-        <p:cTn id="1" dur="indefinite" restart="never" nodeType="tmRoot"/>
+        <p:cTn id="1" dur="indefinite" restart="never" nodeType="tmRoot">
+          <p:childTnLst>
+            <p:video fullScrn="0">
+              <p:cMediaNode>
+                <p:cTn id="2" fill="hold" display="1">
+                  <p:stCondLst>
+                    <p:cond delay="indefinite"/>
+                  </p:stCondLst>
+                </p:cTn>
+                <p:tgtEl>
+                  <p:spTgt spid="3"/>
+                </p:tgtEl>
+              </p:cMediaNode>
+            </p:video>
+            <p:seq concurrent="1" nextAc="seek">
+              <p:cTn id="3" restart="whenNotActive" fill="hold" evtFilter="cancelBubble" nodeType="interactiveSeq">
+                <p:stCondLst>
+                  <p:cond evt="onClick" delay="0">
+                    <p:tgtEl>
+                      <p:spTgt spid="3"/>
+                    </p:tgtEl>
+                  </p:cond>
+                </p:stCondLst>
+                <p:endSync evt="end" delay="0">
+                  <p:rtn val="all"/>
+                </p:endSync>
+                <p:childTnLst>
+                  <p:par>
+                    <p:cTn id="4" fill="hold">
+                      <p:stCondLst>
+                        <p:cond delay="0"/>
+                      </p:stCondLst>
+                      <p:childTnLst>
+                        <p:par>
+                          <p:cTn id="5" fill="hold">
+                            <p:stCondLst>
+                              <p:cond delay="0"/>
+                            </p:stCondLst>
+                            <p:childTnLst>
+                              <p:par>
+                                <p:cTn id="6" presetID="2" presetClass="mediacall" presetSubtype="0" fill="hold" nodeType="clickEffect">
+                                  <p:stCondLst>
+                                    <p:cond delay="0"/>
+                                  </p:stCondLst>
+                                  <p:childTnLst>
+                                    <p:cmd type="call" cmd="togglePause">
+                                      <p:cBhvr additive="base">
+                                        <p:cTn id="7" dur="1" fill="hold"/>
+                                        <p:tgtEl>
+                                          <p:spTgt spid="3"/>
+                                        </p:tgtEl>
+                                      </p:cBhvr>
+                                    </p:cmd>
+                                  </p:childTnLst>
+                                </p:cTn>
+                              </p:par>
+                            </p:childTnLst>
+                          </p:cTn>
+                        </p:par>
+                      </p:childTnLst>
+                    </p:cTn>
+                  </p:par>
+                </p:childTnLst>
+              </p:cTn>
+              <p:nextCondLst>
+                <p:cond evt="onClick" delay="0">
+                  <p:tgtEl>
+                    <p:spTgt spid="3"/>
+                  </p:tgtEl>
+                </p:cond>
+              </p:nextCondLst>
+            </p:seq>
+          </p:childTnLst>
+        </p:cTn>
       </p:par>
     </p:tnLst>
   </p:timing>
@@ -6402,6 +7815,30 @@
           </a:p>
         </p:txBody>
       </p:sp>
+      <p:pic>
+        <p:nvPicPr>
+          <p:cNvPr id="3" name="Picture 2" descr="SEG 1"/>
+          <p:cNvPicPr>
+            <a:picLocks noChangeAspect="1"/>
+          </p:cNvPicPr>
+          <p:nvPr/>
+        </p:nvPicPr>
+        <p:blipFill>
+          <a:blip r:embed="rId1"/>
+          <a:stretch>
+            <a:fillRect/>
+          </a:stretch>
+        </p:blipFill>
+        <p:spPr>
+          <a:xfrm>
+            <a:off x="1182370" y="952500"/>
+            <a:ext cx="9566275" cy="5553075"/>
+          </a:xfrm>
+          <a:prstGeom prst="rect">
+            <a:avLst/>
+          </a:prstGeom>
+        </p:spPr>
+      </p:pic>
     </p:spTree>
   </p:cSld>
   <p:clrMapOvr>
@@ -6461,7 +7898,7 @@
                 </a:solidFill>
                 <a:cs typeface="Arial" panose="020B0604020202020204"/>
               </a:rPr>
-              <a:t>Airy scan_40A_UAS-TMEM-HA_CB_0h_2_051222</a:t>
+              <a:t>Airy scan_40A_UAS-TMEM-HA_CB_0h_1_051222</a:t>
             </a:r>
             <a:br>
               <a:rPr lang="en-US" altLang="en-GB" b="1" dirty="0">
@@ -6480,6 +7917,78 @@
           </a:p>
         </p:txBody>
       </p:sp>
+      <p:pic>
+        <p:nvPicPr>
+          <p:cNvPr id="3" name="Picture 2"/>
+          <p:cNvPicPr>
+            <a:picLocks noChangeAspect="1"/>
+          </p:cNvPicPr>
+          <p:nvPr/>
+        </p:nvPicPr>
+        <p:blipFill>
+          <a:blip r:embed="rId1"/>
+          <a:stretch>
+            <a:fillRect/>
+          </a:stretch>
+        </p:blipFill>
+        <p:spPr>
+          <a:xfrm>
+            <a:off x="309880" y="864235"/>
+            <a:ext cx="7810500" cy="4705350"/>
+          </a:xfrm>
+          <a:prstGeom prst="rect">
+            <a:avLst/>
+          </a:prstGeom>
+        </p:spPr>
+      </p:pic>
+      <p:pic>
+        <p:nvPicPr>
+          <p:cNvPr id="4" name="Picture 3"/>
+          <p:cNvPicPr>
+            <a:picLocks noChangeAspect="1"/>
+          </p:cNvPicPr>
+          <p:nvPr/>
+        </p:nvPicPr>
+        <p:blipFill>
+          <a:blip r:embed="rId2"/>
+          <a:stretch>
+            <a:fillRect/>
+          </a:stretch>
+        </p:blipFill>
+        <p:spPr>
+          <a:xfrm>
+            <a:off x="9116695" y="1047750"/>
+            <a:ext cx="1771650" cy="962025"/>
+          </a:xfrm>
+          <a:prstGeom prst="rect">
+            <a:avLst/>
+          </a:prstGeom>
+        </p:spPr>
+      </p:pic>
+      <p:pic>
+        <p:nvPicPr>
+          <p:cNvPr id="5" name="Picture 4"/>
+          <p:cNvPicPr>
+            <a:picLocks noChangeAspect="1"/>
+          </p:cNvPicPr>
+          <p:nvPr/>
+        </p:nvPicPr>
+        <p:blipFill>
+          <a:blip r:embed="rId3"/>
+          <a:stretch>
+            <a:fillRect/>
+          </a:stretch>
+        </p:blipFill>
+        <p:spPr>
+          <a:xfrm>
+            <a:off x="9116695" y="2510790"/>
+            <a:ext cx="1809750" cy="523875"/>
+          </a:xfrm>
+          <a:prstGeom prst="rect">
+            <a:avLst/>
+          </a:prstGeom>
+        </p:spPr>
+      </p:pic>
     </p:spTree>
   </p:cSld>
   <p:clrMapOvr>
@@ -6493,6 +8002,41 @@
     </p:tnLst>
   </p:timing>
 </p:sld>
+</file>
+
+<file path=ppt/tags/tag1.xml><?xml version="1.0" encoding="utf-8"?>
+<p:tagLst xmlns:p="http://schemas.openxmlformats.org/presentationml/2006/main">
+  <p:tag name="KSO_WM_MEDIACOVER_FLAG" val="1"/>
+  <p:tag name="KSO_WM_UNIT_MEDIACOVER_BTN_STATE" val="1"/>
+</p:tagLst>
+</file>
+
+<file path=ppt/tags/tag2.xml><?xml version="1.0" encoding="utf-8"?>
+<p:tagLst xmlns:p="http://schemas.openxmlformats.org/presentationml/2006/main">
+  <p:tag name="KSO_WM_MEDIACOVER_FLAG" val="1"/>
+  <p:tag name="KSO_WM_UNIT_MEDIACOVER_BTN_STATE" val="1"/>
+</p:tagLst>
+</file>
+
+<file path=ppt/tags/tag3.xml><?xml version="1.0" encoding="utf-8"?>
+<p:tagLst xmlns:p="http://schemas.openxmlformats.org/presentationml/2006/main">
+  <p:tag name="KSO_WM_MEDIACOVER_FLAG" val="1"/>
+  <p:tag name="KSO_WM_UNIT_MEDIACOVER_BTN_STATE" val="1"/>
+</p:tagLst>
+</file>
+
+<file path=ppt/tags/tag4.xml><?xml version="1.0" encoding="utf-8"?>
+<p:tagLst xmlns:p="http://schemas.openxmlformats.org/presentationml/2006/main">
+  <p:tag name="KSO_WM_MEDIACOVER_FLAG" val="1"/>
+  <p:tag name="KSO_WM_UNIT_MEDIACOVER_BTN_STATE" val="1"/>
+</p:tagLst>
+</file>
+
+<file path=ppt/tags/tag5.xml><?xml version="1.0" encoding="utf-8"?>
+<p:tagLst xmlns:p="http://schemas.openxmlformats.org/presentationml/2006/main">
+  <p:tag name="TABLE_ENDDRAG_ORIGIN_RECT" val="417*140"/>
+  <p:tag name="TABLE_ENDDRAG_RECT" val="398*234*417*140"/>
+</p:tagLst>
 </file>
 
 <file path=ppt/theme/theme1.xml><?xml version="1.0" encoding="utf-8"?>
